--- a/man/manuscript/figures/figure_1_schematic.pptx
+++ b/man/manuscript/figures/figure_1_schematic.pptx
@@ -243,7 +243,7 @@
           <a:p>
             <a:fld id="{DD1C356E-5614-449E-8F90-F310717C40C4}" type="datetimeFigureOut">
               <a:rPr lang="en-US" smtClean="0"/>
-              <a:t>3/3/2022</a:t>
+              <a:t>7/27/2022</a:t>
             </a:fld>
             <a:endParaRPr lang="en-US"/>
           </a:p>
@@ -413,7 +413,7 @@
           <a:p>
             <a:fld id="{DD1C356E-5614-449E-8F90-F310717C40C4}" type="datetimeFigureOut">
               <a:rPr lang="en-US" smtClean="0"/>
-              <a:t>3/3/2022</a:t>
+              <a:t>7/27/2022</a:t>
             </a:fld>
             <a:endParaRPr lang="en-US"/>
           </a:p>
@@ -593,7 +593,7 @@
           <a:p>
             <a:fld id="{DD1C356E-5614-449E-8F90-F310717C40C4}" type="datetimeFigureOut">
               <a:rPr lang="en-US" smtClean="0"/>
-              <a:t>3/3/2022</a:t>
+              <a:t>7/27/2022</a:t>
             </a:fld>
             <a:endParaRPr lang="en-US"/>
           </a:p>
@@ -763,7 +763,7 @@
           <a:p>
             <a:fld id="{DD1C356E-5614-449E-8F90-F310717C40C4}" type="datetimeFigureOut">
               <a:rPr lang="en-US" smtClean="0"/>
-              <a:t>3/3/2022</a:t>
+              <a:t>7/27/2022</a:t>
             </a:fld>
             <a:endParaRPr lang="en-US"/>
           </a:p>
@@ -1007,7 +1007,7 @@
           <a:p>
             <a:fld id="{DD1C356E-5614-449E-8F90-F310717C40C4}" type="datetimeFigureOut">
               <a:rPr lang="en-US" smtClean="0"/>
-              <a:t>3/3/2022</a:t>
+              <a:t>7/27/2022</a:t>
             </a:fld>
             <a:endParaRPr lang="en-US"/>
           </a:p>
@@ -1239,7 +1239,7 @@
           <a:p>
             <a:fld id="{DD1C356E-5614-449E-8F90-F310717C40C4}" type="datetimeFigureOut">
               <a:rPr lang="en-US" smtClean="0"/>
-              <a:t>3/3/2022</a:t>
+              <a:t>7/27/2022</a:t>
             </a:fld>
             <a:endParaRPr lang="en-US"/>
           </a:p>
@@ -1606,7 +1606,7 @@
           <a:p>
             <a:fld id="{DD1C356E-5614-449E-8F90-F310717C40C4}" type="datetimeFigureOut">
               <a:rPr lang="en-US" smtClean="0"/>
-              <a:t>3/3/2022</a:t>
+              <a:t>7/27/2022</a:t>
             </a:fld>
             <a:endParaRPr lang="en-US"/>
           </a:p>
@@ -1724,7 +1724,7 @@
           <a:p>
             <a:fld id="{DD1C356E-5614-449E-8F90-F310717C40C4}" type="datetimeFigureOut">
               <a:rPr lang="en-US" smtClean="0"/>
-              <a:t>3/3/2022</a:t>
+              <a:t>7/27/2022</a:t>
             </a:fld>
             <a:endParaRPr lang="en-US"/>
           </a:p>
@@ -1819,7 +1819,7 @@
           <a:p>
             <a:fld id="{DD1C356E-5614-449E-8F90-F310717C40C4}" type="datetimeFigureOut">
               <a:rPr lang="en-US" smtClean="0"/>
-              <a:t>3/3/2022</a:t>
+              <a:t>7/27/2022</a:t>
             </a:fld>
             <a:endParaRPr lang="en-US"/>
           </a:p>
@@ -2096,7 +2096,7 @@
           <a:p>
             <a:fld id="{DD1C356E-5614-449E-8F90-F310717C40C4}" type="datetimeFigureOut">
               <a:rPr lang="en-US" smtClean="0"/>
-              <a:t>3/3/2022</a:t>
+              <a:t>7/27/2022</a:t>
             </a:fld>
             <a:endParaRPr lang="en-US"/>
           </a:p>
@@ -2353,7 +2353,7 @@
           <a:p>
             <a:fld id="{DD1C356E-5614-449E-8F90-F310717C40C4}" type="datetimeFigureOut">
               <a:rPr lang="en-US" smtClean="0"/>
-              <a:t>3/3/2022</a:t>
+              <a:t>7/27/2022</a:t>
             </a:fld>
             <a:endParaRPr lang="en-US"/>
           </a:p>
@@ -2566,7 +2566,7 @@
           <a:p>
             <a:fld id="{DD1C356E-5614-449E-8F90-F310717C40C4}" type="datetimeFigureOut">
               <a:rPr lang="en-US" smtClean="0"/>
-              <a:t>3/3/2022</a:t>
+              <a:t>7/27/2022</a:t>
             </a:fld>
             <a:endParaRPr lang="en-US"/>
           </a:p>
@@ -4068,14 +4068,14 @@
           <a:p>
             <a:pPr algn="ctr"/>
             <a:r>
-              <a:rPr lang="en-US" sz="1200" i="1" dirty="0" err="1">
+              <a:rPr lang="en-US" sz="1200" dirty="0" err="1">
                 <a:solidFill>
                   <a:schemeClr val="tx1"/>
                 </a:solidFill>
               </a:rPr>
               <a:t>lsat_fit_phenological_curves</a:t>
             </a:r>
-            <a:endParaRPr lang="en-US" sz="1200" i="1" dirty="0">
+            <a:endParaRPr lang="en-US" sz="1200" dirty="0">
               <a:solidFill>
                 <a:schemeClr val="tx1"/>
               </a:solidFill>
@@ -4136,14 +4136,14 @@
           <a:p>
             <a:pPr algn="ctr"/>
             <a:r>
-              <a:rPr lang="en-US" sz="1200" i="1" dirty="0" err="1">
+              <a:rPr lang="en-US" sz="1200" dirty="0" err="1">
                 <a:solidFill>
                   <a:schemeClr val="tx1"/>
                 </a:solidFill>
               </a:rPr>
               <a:t>lsat_summarize_growing_season</a:t>
             </a:r>
-            <a:endParaRPr lang="en-US" sz="1200" i="1" dirty="0">
+            <a:endParaRPr lang="en-US" sz="1200" dirty="0">
               <a:solidFill>
                 <a:schemeClr val="tx1"/>
               </a:solidFill>
@@ -4204,14 +4204,14 @@
           <a:p>
             <a:pPr algn="ctr"/>
             <a:r>
-              <a:rPr lang="en-US" sz="1200" i="1" dirty="0" err="1">
+              <a:rPr lang="en-US" sz="1200" dirty="0" err="1">
                 <a:solidFill>
                   <a:schemeClr val="tx1"/>
                 </a:solidFill>
               </a:rPr>
               <a:t>lsat_evaluate_phenological_max</a:t>
             </a:r>
-            <a:endParaRPr lang="en-US" sz="1200" i="1" dirty="0">
+            <a:endParaRPr lang="en-US" sz="1200" dirty="0">
               <a:solidFill>
                 <a:schemeClr val="tx1"/>
               </a:solidFill>
@@ -4272,14 +4272,14 @@
           <a:p>
             <a:pPr algn="ctr"/>
             <a:r>
-              <a:rPr lang="en-US" sz="1200" i="1" dirty="0" err="1">
+              <a:rPr lang="en-US" sz="1200" dirty="0" err="1">
                 <a:solidFill>
                   <a:schemeClr val="tx1"/>
                 </a:solidFill>
               </a:rPr>
               <a:t>lsat_calc_trend</a:t>
             </a:r>
-            <a:endParaRPr lang="en-US" sz="1200" i="1" dirty="0">
+            <a:endParaRPr lang="en-US" sz="1200" dirty="0">
               <a:solidFill>
                 <a:schemeClr val="tx1"/>
               </a:solidFill>

--- a/man/manuscript/figures/figure_1_schematic.pptx
+++ b/man/manuscript/figures/figure_1_schematic.pptx
@@ -243,7 +243,7 @@
           <a:p>
             <a:fld id="{DD1C356E-5614-449E-8F90-F310717C40C4}" type="datetimeFigureOut">
               <a:rPr lang="en-US" smtClean="0"/>
-              <a:t>7/27/2022</a:t>
+              <a:t>12/1/2022</a:t>
             </a:fld>
             <a:endParaRPr lang="en-US"/>
           </a:p>
@@ -413,7 +413,7 @@
           <a:p>
             <a:fld id="{DD1C356E-5614-449E-8F90-F310717C40C4}" type="datetimeFigureOut">
               <a:rPr lang="en-US" smtClean="0"/>
-              <a:t>7/27/2022</a:t>
+              <a:t>12/1/2022</a:t>
             </a:fld>
             <a:endParaRPr lang="en-US"/>
           </a:p>
@@ -593,7 +593,7 @@
           <a:p>
             <a:fld id="{DD1C356E-5614-449E-8F90-F310717C40C4}" type="datetimeFigureOut">
               <a:rPr lang="en-US" smtClean="0"/>
-              <a:t>7/27/2022</a:t>
+              <a:t>12/1/2022</a:t>
             </a:fld>
             <a:endParaRPr lang="en-US"/>
           </a:p>
@@ -763,7 +763,7 @@
           <a:p>
             <a:fld id="{DD1C356E-5614-449E-8F90-F310717C40C4}" type="datetimeFigureOut">
               <a:rPr lang="en-US" smtClean="0"/>
-              <a:t>7/27/2022</a:t>
+              <a:t>12/1/2022</a:t>
             </a:fld>
             <a:endParaRPr lang="en-US"/>
           </a:p>
@@ -1007,7 +1007,7 @@
           <a:p>
             <a:fld id="{DD1C356E-5614-449E-8F90-F310717C40C4}" type="datetimeFigureOut">
               <a:rPr lang="en-US" smtClean="0"/>
-              <a:t>7/27/2022</a:t>
+              <a:t>12/1/2022</a:t>
             </a:fld>
             <a:endParaRPr lang="en-US"/>
           </a:p>
@@ -1239,7 +1239,7 @@
           <a:p>
             <a:fld id="{DD1C356E-5614-449E-8F90-F310717C40C4}" type="datetimeFigureOut">
               <a:rPr lang="en-US" smtClean="0"/>
-              <a:t>7/27/2022</a:t>
+              <a:t>12/1/2022</a:t>
             </a:fld>
             <a:endParaRPr lang="en-US"/>
           </a:p>
@@ -1606,7 +1606,7 @@
           <a:p>
             <a:fld id="{DD1C356E-5614-449E-8F90-F310717C40C4}" type="datetimeFigureOut">
               <a:rPr lang="en-US" smtClean="0"/>
-              <a:t>7/27/2022</a:t>
+              <a:t>12/1/2022</a:t>
             </a:fld>
             <a:endParaRPr lang="en-US"/>
           </a:p>
@@ -1724,7 +1724,7 @@
           <a:p>
             <a:fld id="{DD1C356E-5614-449E-8F90-F310717C40C4}" type="datetimeFigureOut">
               <a:rPr lang="en-US" smtClean="0"/>
-              <a:t>7/27/2022</a:t>
+              <a:t>12/1/2022</a:t>
             </a:fld>
             <a:endParaRPr lang="en-US"/>
           </a:p>
@@ -1819,7 +1819,7 @@
           <a:p>
             <a:fld id="{DD1C356E-5614-449E-8F90-F310717C40C4}" type="datetimeFigureOut">
               <a:rPr lang="en-US" smtClean="0"/>
-              <a:t>7/27/2022</a:t>
+              <a:t>12/1/2022</a:t>
             </a:fld>
             <a:endParaRPr lang="en-US"/>
           </a:p>
@@ -2096,7 +2096,7 @@
           <a:p>
             <a:fld id="{DD1C356E-5614-449E-8F90-F310717C40C4}" type="datetimeFigureOut">
               <a:rPr lang="en-US" smtClean="0"/>
-              <a:t>7/27/2022</a:t>
+              <a:t>12/1/2022</a:t>
             </a:fld>
             <a:endParaRPr lang="en-US"/>
           </a:p>
@@ -2353,7 +2353,7 @@
           <a:p>
             <a:fld id="{DD1C356E-5614-449E-8F90-F310717C40C4}" type="datetimeFigureOut">
               <a:rPr lang="en-US" smtClean="0"/>
-              <a:t>7/27/2022</a:t>
+              <a:t>12/1/2022</a:t>
             </a:fld>
             <a:endParaRPr lang="en-US"/>
           </a:p>
@@ -2566,7 +2566,7 @@
           <a:p>
             <a:fld id="{DD1C356E-5614-449E-8F90-F310717C40C4}" type="datetimeFigureOut">
               <a:rPr lang="en-US" smtClean="0"/>
-              <a:t>7/27/2022</a:t>
+              <a:t>12/1/2022</a:t>
             </a:fld>
             <a:endParaRPr lang="en-US"/>
           </a:p>
@@ -2985,8 +2985,8 @@
         </p:nvSpPr>
         <p:spPr>
           <a:xfrm>
-            <a:off x="351690" y="6370056"/>
-            <a:ext cx="3867150" cy="754697"/>
+            <a:off x="132062" y="6168195"/>
+            <a:ext cx="4287794" cy="986037"/>
           </a:xfrm>
           <a:prstGeom prst="rect">
             <a:avLst/>
@@ -3044,7 +3044,7 @@
         </p:nvSpPr>
         <p:spPr>
           <a:xfrm>
-            <a:off x="2812355" y="6370056"/>
+            <a:off x="3256620" y="6395400"/>
             <a:ext cx="1164358" cy="307777"/>
           </a:xfrm>
           <a:prstGeom prst="rect">
@@ -3085,8 +3085,8 @@
         </p:nvSpPr>
         <p:spPr>
           <a:xfrm>
-            <a:off x="351689" y="2349500"/>
-            <a:ext cx="3867149" cy="4020556"/>
+            <a:off x="132063" y="2222499"/>
+            <a:ext cx="4287793" cy="4163431"/>
           </a:xfrm>
           <a:prstGeom prst="rect">
             <a:avLst/>
@@ -3144,8 +3144,8 @@
         </p:nvSpPr>
         <p:spPr>
           <a:xfrm>
-            <a:off x="351690" y="260080"/>
-            <a:ext cx="3867148" cy="2089881"/>
+            <a:off x="132064" y="133080"/>
+            <a:ext cx="4287792" cy="2089881"/>
           </a:xfrm>
           <a:prstGeom prst="rect">
             <a:avLst/>
@@ -3203,7 +3203,7 @@
         </p:nvSpPr>
         <p:spPr>
           <a:xfrm>
-            <a:off x="723324" y="353605"/>
+            <a:off x="265612" y="226605"/>
             <a:ext cx="1711325" cy="209860"/>
           </a:xfrm>
           <a:prstGeom prst="roundRect">
@@ -3266,7 +3266,7 @@
         </p:nvSpPr>
         <p:spPr>
           <a:xfrm>
-            <a:off x="2125246" y="948355"/>
+            <a:off x="1667534" y="821355"/>
             <a:ext cx="1600200" cy="182880"/>
           </a:xfrm>
           <a:prstGeom prst="roundRect">
@@ -3320,51 +3320,6 @@
           </a:p>
         </p:txBody>
       </p:sp>
-      <p:cxnSp>
-        <p:nvCxnSpPr>
-          <p:cNvPr id="10" name="Connector: Elbow 9">
-            <a:extLst>
-              <a:ext uri="{FF2B5EF4-FFF2-40B4-BE49-F238E27FC236}">
-                <a16:creationId xmlns:a16="http://schemas.microsoft.com/office/drawing/2014/main" id="{5CFAFAD9-3EEF-430F-82F6-7173ADA0E0E7}"/>
-              </a:ext>
-            </a:extLst>
-          </p:cNvPr>
-          <p:cNvCxnSpPr>
-            <a:cxnSpLocks/>
-            <a:stCxn id="4" idx="2"/>
-            <a:endCxn id="5" idx="0"/>
-          </p:cNvCxnSpPr>
-          <p:nvPr/>
-        </p:nvCxnSpPr>
-        <p:spPr>
-          <a:xfrm rot="16200000" flipH="1">
-            <a:off x="2059721" y="82730"/>
-            <a:ext cx="384890" cy="1346359"/>
-          </a:xfrm>
-          <a:prstGeom prst="bentConnector3">
-            <a:avLst>
-              <a:gd name="adj1" fmla="val 50000"/>
-            </a:avLst>
-          </a:prstGeom>
-          <a:ln>
-            <a:tailEnd type="triangle"/>
-          </a:ln>
-        </p:spPr>
-        <p:style>
-          <a:lnRef idx="1">
-            <a:schemeClr val="dk1"/>
-          </a:lnRef>
-          <a:fillRef idx="0">
-            <a:schemeClr val="dk1"/>
-          </a:fillRef>
-          <a:effectRef idx="0">
-            <a:schemeClr val="dk1"/>
-          </a:effectRef>
-          <a:fontRef idx="minor">
-            <a:schemeClr val="tx1"/>
-          </a:fontRef>
-        </p:style>
-      </p:cxnSp>
       <p:sp>
         <p:nvSpPr>
           <p:cNvPr id="12" name="Rectangle: Rounded Corners 11">
@@ -3379,7 +3334,7 @@
         </p:nvSpPr>
         <p:spPr>
           <a:xfrm>
-            <a:off x="778886" y="1456346"/>
+            <a:off x="321174" y="1329346"/>
             <a:ext cx="1600200" cy="182880"/>
           </a:xfrm>
           <a:prstGeom prst="roundRect">
@@ -3433,51 +3388,6 @@
           </a:p>
         </p:txBody>
       </p:sp>
-      <p:cxnSp>
-        <p:nvCxnSpPr>
-          <p:cNvPr id="13" name="Connector: Elbow 12">
-            <a:extLst>
-              <a:ext uri="{FF2B5EF4-FFF2-40B4-BE49-F238E27FC236}">
-                <a16:creationId xmlns:a16="http://schemas.microsoft.com/office/drawing/2014/main" id="{03851527-D339-4ACA-B874-69223CCBA27A}"/>
-              </a:ext>
-            </a:extLst>
-          </p:cNvPr>
-          <p:cNvCxnSpPr>
-            <a:cxnSpLocks/>
-            <a:stCxn id="5" idx="2"/>
-            <a:endCxn id="12" idx="0"/>
-          </p:cNvCxnSpPr>
-          <p:nvPr/>
-        </p:nvCxnSpPr>
-        <p:spPr>
-          <a:xfrm rot="5400000">
-            <a:off x="2089611" y="620610"/>
-            <a:ext cx="325111" cy="1346360"/>
-          </a:xfrm>
-          <a:prstGeom prst="bentConnector3">
-            <a:avLst>
-              <a:gd name="adj1" fmla="val 50000"/>
-            </a:avLst>
-          </a:prstGeom>
-          <a:ln>
-            <a:tailEnd type="triangle"/>
-          </a:ln>
-        </p:spPr>
-        <p:style>
-          <a:lnRef idx="1">
-            <a:schemeClr val="dk1"/>
-          </a:lnRef>
-          <a:fillRef idx="0">
-            <a:schemeClr val="dk1"/>
-          </a:fillRef>
-          <a:effectRef idx="0">
-            <a:schemeClr val="dk1"/>
-          </a:effectRef>
-          <a:fontRef idx="minor">
-            <a:schemeClr val="tx1"/>
-          </a:fontRef>
-        </p:style>
-      </p:cxnSp>
       <p:sp>
         <p:nvSpPr>
           <p:cNvPr id="19" name="Rectangle: Rounded Corners 18">
@@ -3492,7 +3402,7 @@
         </p:nvSpPr>
         <p:spPr>
           <a:xfrm>
-            <a:off x="778886" y="2468387"/>
+            <a:off x="321174" y="2341387"/>
             <a:ext cx="1600200" cy="182880"/>
           </a:xfrm>
           <a:prstGeom prst="roundRect">
@@ -3536,7 +3446,7 @@
                   <a:schemeClr val="tx1"/>
                 </a:solidFill>
               </a:rPr>
-              <a:t>lsat_general_prep</a:t>
+              <a:t>lsat_format_data</a:t>
             </a:r>
             <a:endParaRPr lang="en-US" sz="1200" dirty="0">
               <a:solidFill>
@@ -3557,20 +3467,18 @@
           </p:cNvPr>
           <p:cNvCxnSpPr>
             <a:cxnSpLocks/>
-            <a:stCxn id="12" idx="2"/>
-            <a:endCxn id="19" idx="0"/>
           </p:cNvCxnSpPr>
           <p:nvPr/>
         </p:nvCxnSpPr>
         <p:spPr>
           <a:xfrm>
-            <a:off x="1578986" y="1639226"/>
+            <a:off x="1113412" y="1512226"/>
             <a:ext cx="0" cy="829161"/>
           </a:xfrm>
           <a:prstGeom prst="straightConnector1">
             <a:avLst/>
           </a:prstGeom>
-          <a:ln>
+          <a:ln w="28575">
             <a:tailEnd type="triangle"/>
           </a:ln>
         </p:spPr>
@@ -3603,7 +3511,7 @@
         </p:nvSpPr>
         <p:spPr>
           <a:xfrm>
-            <a:off x="778886" y="2806842"/>
+            <a:off x="321174" y="2679842"/>
             <a:ext cx="1600200" cy="182880"/>
           </a:xfrm>
           <a:prstGeom prst="roundRect">
@@ -3668,20 +3576,18 @@
           </p:cNvPr>
           <p:cNvCxnSpPr>
             <a:cxnSpLocks/>
-            <a:stCxn id="19" idx="2"/>
-            <a:endCxn id="23" idx="0"/>
           </p:cNvCxnSpPr>
           <p:nvPr/>
         </p:nvCxnSpPr>
         <p:spPr>
           <a:xfrm>
-            <a:off x="1578986" y="2651267"/>
+            <a:off x="1113412" y="2524267"/>
             <a:ext cx="0" cy="155575"/>
           </a:xfrm>
           <a:prstGeom prst="straightConnector1">
             <a:avLst/>
           </a:prstGeom>
-          <a:ln>
+          <a:ln w="28575">
             <a:tailEnd type="triangle"/>
           </a:ln>
         </p:spPr>
@@ -3711,20 +3617,18 @@
           </p:cNvPr>
           <p:cNvCxnSpPr>
             <a:cxnSpLocks/>
-            <a:stCxn id="4" idx="2"/>
-            <a:endCxn id="12" idx="0"/>
           </p:cNvCxnSpPr>
           <p:nvPr/>
         </p:nvCxnSpPr>
         <p:spPr>
           <a:xfrm flipH="1">
-            <a:off x="1578986" y="563465"/>
+            <a:off x="1113412" y="436465"/>
             <a:ext cx="1" cy="892881"/>
           </a:xfrm>
           <a:prstGeom prst="straightConnector1">
             <a:avLst/>
           </a:prstGeom>
-          <a:ln>
+          <a:ln w="28575">
             <a:tailEnd type="triangle"/>
           </a:ln>
         </p:spPr>
@@ -3757,7 +3661,7 @@
         </p:nvSpPr>
         <p:spPr>
           <a:xfrm>
-            <a:off x="2007136" y="3290077"/>
+            <a:off x="1549424" y="3163077"/>
             <a:ext cx="1836420" cy="182880"/>
           </a:xfrm>
           <a:prstGeom prst="roundRect">
@@ -3801,46 +3705,39 @@
                   <a:schemeClr val="tx1"/>
                 </a:solidFill>
               </a:rPr>
-              <a:t>lsat_neighborhood</a:t>
-            </a:r>
-            <a:r>
-              <a:rPr lang="en-US" sz="1200" dirty="0">
-                <a:solidFill>
-                  <a:schemeClr val="tx1"/>
-                </a:solidFill>
-              </a:rPr>
-              <a:t> _mean</a:t>
-            </a:r>
+              <a:t>lsat_summarize_data</a:t>
+            </a:r>
+            <a:endParaRPr lang="en-US" sz="1200" dirty="0">
+              <a:solidFill>
+                <a:schemeClr val="tx1"/>
+              </a:solidFill>
+            </a:endParaRPr>
           </a:p>
         </p:txBody>
       </p:sp>
       <p:cxnSp>
         <p:nvCxnSpPr>
-          <p:cNvPr id="34" name="Connector: Elbow 33">
+          <p:cNvPr id="49" name="Straight Arrow Connector 48">
             <a:extLst>
               <a:ext uri="{FF2B5EF4-FFF2-40B4-BE49-F238E27FC236}">
-                <a16:creationId xmlns:a16="http://schemas.microsoft.com/office/drawing/2014/main" id="{61EF4EEE-984C-4E72-A373-D8F43E705001}"/>
+                <a16:creationId xmlns:a16="http://schemas.microsoft.com/office/drawing/2014/main" id="{0136118F-5D6D-4CC8-9127-F5F32F6996A9}"/>
               </a:ext>
             </a:extLst>
           </p:cNvPr>
           <p:cNvCxnSpPr>
             <a:cxnSpLocks/>
-            <a:stCxn id="23" idx="2"/>
-            <a:endCxn id="33" idx="0"/>
           </p:cNvCxnSpPr>
           <p:nvPr/>
         </p:nvCxnSpPr>
         <p:spPr>
-          <a:xfrm rot="16200000" flipH="1">
-            <a:off x="2101989" y="2466719"/>
-            <a:ext cx="300355" cy="1346360"/>
-          </a:xfrm>
-          <a:prstGeom prst="bentConnector3">
-            <a:avLst>
-              <a:gd name="adj1" fmla="val 50000"/>
-            </a:avLst>
+          <a:xfrm flipH="1">
+            <a:off x="1111190" y="2862722"/>
+            <a:ext cx="4444" cy="1926453"/>
+          </a:xfrm>
+          <a:prstGeom prst="straightConnector1">
+            <a:avLst/>
           </a:prstGeom>
-          <a:ln>
+          <a:ln w="28575">
             <a:tailEnd type="triangle"/>
           </a:ln>
         </p:spPr>
@@ -3861,10 +3758,10 @@
       </p:cxnSp>
       <p:sp>
         <p:nvSpPr>
-          <p:cNvPr id="48" name="Rectangle: Rounded Corners 47">
+          <p:cNvPr id="55" name="Rectangle: Rounded Corners 54">
             <a:extLst>
               <a:ext uri="{FF2B5EF4-FFF2-40B4-BE49-F238E27FC236}">
-                <a16:creationId xmlns:a16="http://schemas.microsoft.com/office/drawing/2014/main" id="{38B0BAE8-B2D1-4328-9CD5-8AB5DF7CCBEA}"/>
+                <a16:creationId xmlns:a16="http://schemas.microsoft.com/office/drawing/2014/main" id="{BD309F3D-7C94-42B5-8DD0-6AD5330A3AB5}"/>
               </a:ext>
             </a:extLst>
           </p:cNvPr>
@@ -3873,8 +3770,8 @@
         </p:nvSpPr>
         <p:spPr>
           <a:xfrm>
-            <a:off x="778886" y="3768867"/>
-            <a:ext cx="1600200" cy="182880"/>
+            <a:off x="1485751" y="5274251"/>
+            <a:ext cx="2009775" cy="182880"/>
           </a:xfrm>
           <a:prstGeom prst="roundRect">
             <a:avLst/>
@@ -3917,7 +3814,7 @@
                   <a:schemeClr val="tx1"/>
                 </a:solidFill>
               </a:rPr>
-              <a:t>lsat_calc_spec_index</a:t>
+              <a:t>lsat_fit_phenological_curves</a:t>
             </a:r>
             <a:endParaRPr lang="en-US" sz="1200" dirty="0">
               <a:solidFill>
@@ -3927,100 +3824,12 @@
           </a:p>
         </p:txBody>
       </p:sp>
-      <p:cxnSp>
-        <p:nvCxnSpPr>
-          <p:cNvPr id="49" name="Straight Arrow Connector 48">
+      <p:sp>
+        <p:nvSpPr>
+          <p:cNvPr id="56" name="Rectangle: Rounded Corners 55">
             <a:extLst>
               <a:ext uri="{FF2B5EF4-FFF2-40B4-BE49-F238E27FC236}">
-                <a16:creationId xmlns:a16="http://schemas.microsoft.com/office/drawing/2014/main" id="{0136118F-5D6D-4CC8-9127-F5F32F6996A9}"/>
-              </a:ext>
-            </a:extLst>
-          </p:cNvPr>
-          <p:cNvCxnSpPr>
-            <a:cxnSpLocks/>
-            <a:stCxn id="23" idx="2"/>
-            <a:endCxn id="48" idx="0"/>
-          </p:cNvCxnSpPr>
-          <p:nvPr/>
-        </p:nvCxnSpPr>
-        <p:spPr>
-          <a:xfrm>
-            <a:off x="1578986" y="2989722"/>
-            <a:ext cx="0" cy="779145"/>
-          </a:xfrm>
-          <a:prstGeom prst="straightConnector1">
-            <a:avLst/>
-          </a:prstGeom>
-          <a:ln>
-            <a:tailEnd type="triangle"/>
-          </a:ln>
-        </p:spPr>
-        <p:style>
-          <a:lnRef idx="1">
-            <a:schemeClr val="dk1"/>
-          </a:lnRef>
-          <a:fillRef idx="0">
-            <a:schemeClr val="dk1"/>
-          </a:fillRef>
-          <a:effectRef idx="0">
-            <a:schemeClr val="dk1"/>
-          </a:effectRef>
-          <a:fontRef idx="minor">
-            <a:schemeClr val="tx1"/>
-          </a:fontRef>
-        </p:style>
-      </p:cxnSp>
-      <p:cxnSp>
-        <p:nvCxnSpPr>
-          <p:cNvPr id="51" name="Connector: Elbow 50">
-            <a:extLst>
-              <a:ext uri="{FF2B5EF4-FFF2-40B4-BE49-F238E27FC236}">
-                <a16:creationId xmlns:a16="http://schemas.microsoft.com/office/drawing/2014/main" id="{A6979ED2-038A-4FB1-AE4A-A4016987D9C6}"/>
-              </a:ext>
-            </a:extLst>
-          </p:cNvPr>
-          <p:cNvCxnSpPr>
-            <a:cxnSpLocks/>
-            <a:stCxn id="33" idx="2"/>
-            <a:endCxn id="48" idx="0"/>
-          </p:cNvCxnSpPr>
-          <p:nvPr/>
-        </p:nvCxnSpPr>
-        <p:spPr>
-          <a:xfrm rot="5400000">
-            <a:off x="2104211" y="2947732"/>
-            <a:ext cx="295910" cy="1346360"/>
-          </a:xfrm>
-          <a:prstGeom prst="bentConnector3">
-            <a:avLst>
-              <a:gd name="adj1" fmla="val 50000"/>
-            </a:avLst>
-          </a:prstGeom>
-          <a:ln>
-            <a:tailEnd type="triangle"/>
-          </a:ln>
-        </p:spPr>
-        <p:style>
-          <a:lnRef idx="1">
-            <a:schemeClr val="dk1"/>
-          </a:lnRef>
-          <a:fillRef idx="0">
-            <a:schemeClr val="dk1"/>
-          </a:fillRef>
-          <a:effectRef idx="0">
-            <a:schemeClr val="dk1"/>
-          </a:effectRef>
-          <a:fontRef idx="minor">
-            <a:schemeClr val="tx1"/>
-          </a:fontRef>
-        </p:style>
-      </p:cxnSp>
-      <p:sp>
-        <p:nvSpPr>
-          <p:cNvPr id="55" name="Rectangle: Rounded Corners 54">
-            <a:extLst>
-              <a:ext uri="{FF2B5EF4-FFF2-40B4-BE49-F238E27FC236}">
-                <a16:creationId xmlns:a16="http://schemas.microsoft.com/office/drawing/2014/main" id="{BD309F3D-7C94-42B5-8DD0-6AD5330A3AB5}"/>
+                <a16:creationId xmlns:a16="http://schemas.microsoft.com/office/drawing/2014/main" id="{63FEB090-D6A7-407A-9ECA-95083F358875}"/>
               </a:ext>
             </a:extLst>
           </p:cNvPr>
@@ -4029,8 +3838,8 @@
         </p:nvSpPr>
         <p:spPr>
           <a:xfrm>
-            <a:off x="574099" y="5163810"/>
-            <a:ext cx="2009775" cy="182880"/>
+            <a:off x="1339542" y="5597664"/>
+            <a:ext cx="2302192" cy="182880"/>
           </a:xfrm>
           <a:prstGeom prst="roundRect">
             <a:avLst/>
@@ -4073,7 +3882,7 @@
                   <a:schemeClr val="tx1"/>
                 </a:solidFill>
               </a:rPr>
-              <a:t>lsat_fit_phenological_curves</a:t>
+              <a:t>lsat_summarize_growing_season</a:t>
             </a:r>
             <a:endParaRPr lang="en-US" sz="1200" dirty="0">
               <a:solidFill>
@@ -4085,10 +3894,10 @@
       </p:sp>
       <p:sp>
         <p:nvSpPr>
-          <p:cNvPr id="56" name="Rectangle: Rounded Corners 55">
+          <p:cNvPr id="57" name="Rectangle: Rounded Corners 56">
             <a:extLst>
               <a:ext uri="{FF2B5EF4-FFF2-40B4-BE49-F238E27FC236}">
-                <a16:creationId xmlns:a16="http://schemas.microsoft.com/office/drawing/2014/main" id="{63FEB090-D6A7-407A-9ECA-95083F358875}"/>
+                <a16:creationId xmlns:a16="http://schemas.microsoft.com/office/drawing/2014/main" id="{216D7B21-CCFB-4AF4-BAB0-1FD98FFCDBA8}"/>
               </a:ext>
             </a:extLst>
           </p:cNvPr>
@@ -4097,8 +3906,8 @@
         </p:nvSpPr>
         <p:spPr>
           <a:xfrm>
-            <a:off x="427890" y="5640045"/>
-            <a:ext cx="2302192" cy="182880"/>
+            <a:off x="1872942" y="5940918"/>
+            <a:ext cx="2394586" cy="182880"/>
           </a:xfrm>
           <a:prstGeom prst="roundRect">
             <a:avLst/>
@@ -4141,7 +3950,7 @@
                   <a:schemeClr val="tx1"/>
                 </a:solidFill>
               </a:rPr>
-              <a:t>lsat_summarize_growing_season</a:t>
+              <a:t>lsat_evaluate_phenological_max</a:t>
             </a:r>
             <a:endParaRPr lang="en-US" sz="1200" dirty="0">
               <a:solidFill>
@@ -4153,10 +3962,10 @@
       </p:sp>
       <p:sp>
         <p:nvSpPr>
-          <p:cNvPr id="57" name="Rectangle: Rounded Corners 56">
+          <p:cNvPr id="58" name="Rectangle: Rounded Corners 57">
             <a:extLst>
               <a:ext uri="{FF2B5EF4-FFF2-40B4-BE49-F238E27FC236}">
-                <a16:creationId xmlns:a16="http://schemas.microsoft.com/office/drawing/2014/main" id="{216D7B21-CCFB-4AF4-BAB0-1FD98FFCDBA8}"/>
+                <a16:creationId xmlns:a16="http://schemas.microsoft.com/office/drawing/2014/main" id="{8248FA13-00D7-496A-8808-465F2BC9FD7C}"/>
               </a:ext>
             </a:extLst>
           </p:cNvPr>
@@ -4165,8 +3974,8 @@
         </p:nvSpPr>
         <p:spPr>
           <a:xfrm>
-            <a:off x="1728053" y="6116141"/>
-            <a:ext cx="2394586" cy="182880"/>
+            <a:off x="1368516" y="6523608"/>
+            <a:ext cx="1600200" cy="182880"/>
           </a:xfrm>
           <a:prstGeom prst="roundRect">
             <a:avLst/>
@@ -4209,7 +4018,7 @@
                   <a:schemeClr val="tx1"/>
                 </a:solidFill>
               </a:rPr>
-              <a:t>lsat_evaluate_phenological_max</a:t>
+              <a:t>lsat_calc_trend</a:t>
             </a:r>
             <a:endParaRPr lang="en-US" sz="1200" dirty="0">
               <a:solidFill>
@@ -4221,10 +4030,10 @@
       </p:sp>
       <p:sp>
         <p:nvSpPr>
-          <p:cNvPr id="58" name="Rectangle: Rounded Corners 57">
+          <p:cNvPr id="59" name="Rectangle: Rounded Corners 58">
             <a:extLst>
               <a:ext uri="{FF2B5EF4-FFF2-40B4-BE49-F238E27FC236}">
-                <a16:creationId xmlns:a16="http://schemas.microsoft.com/office/drawing/2014/main" id="{8248FA13-00D7-496A-8808-465F2BC9FD7C}"/>
+                <a16:creationId xmlns:a16="http://schemas.microsoft.com/office/drawing/2014/main" id="{0AEF80FF-3308-485C-8A89-E57EFFB5CE46}"/>
               </a:ext>
             </a:extLst>
           </p:cNvPr>
@@ -4233,8 +4042,8 @@
         </p:nvSpPr>
         <p:spPr>
           <a:xfrm>
-            <a:off x="778886" y="6529669"/>
-            <a:ext cx="1600200" cy="182880"/>
+            <a:off x="1549423" y="4281628"/>
+            <a:ext cx="1836419" cy="182880"/>
           </a:xfrm>
           <a:prstGeom prst="roundRect">
             <a:avLst/>
@@ -4277,7 +4086,7 @@
                   <a:schemeClr val="tx1"/>
                 </a:solidFill>
               </a:rPr>
-              <a:t>lsat_calc_trend</a:t>
+              <a:t>lsat_calc_spectral_index</a:t>
             </a:r>
             <a:endParaRPr lang="en-US" sz="1200" dirty="0">
               <a:solidFill>
@@ -4289,10 +4098,164 @@
       </p:sp>
       <p:sp>
         <p:nvSpPr>
-          <p:cNvPr id="59" name="Rectangle: Rounded Corners 58">
+          <p:cNvPr id="60" name="TextBox 59">
             <a:extLst>
               <a:ext uri="{FF2B5EF4-FFF2-40B4-BE49-F238E27FC236}">
-                <a16:creationId xmlns:a16="http://schemas.microsoft.com/office/drawing/2014/main" id="{0AEF80FF-3308-485C-8A89-E57EFFB5CE46}"/>
+                <a16:creationId xmlns:a16="http://schemas.microsoft.com/office/drawing/2014/main" id="{E5132F42-B82C-4D84-957E-90B815C34AD5}"/>
+              </a:ext>
+            </a:extLst>
+          </p:cNvPr>
+          <p:cNvSpPr txBox="1"/>
+          <p:nvPr/>
+        </p:nvSpPr>
+        <p:spPr>
+          <a:xfrm>
+            <a:off x="1152714" y="423203"/>
+            <a:ext cx="675185" cy="253916"/>
+          </a:xfrm>
+          <a:prstGeom prst="rect">
+            <a:avLst/>
+          </a:prstGeom>
+          <a:noFill/>
+        </p:spPr>
+        <p:txBody>
+          <a:bodyPr wrap="none" rtlCol="0">
+            <a:spAutoFit/>
+          </a:bodyPr>
+          <a:lstStyle/>
+          <a:p>
+            <a:r>
+              <a:rPr lang="en-US" sz="1050" dirty="0"/>
+              <a:t>polygons</a:t>
+            </a:r>
+            <a:endParaRPr lang="en-US" sz="1100" dirty="0"/>
+          </a:p>
+        </p:txBody>
+      </p:sp>
+      <p:sp>
+        <p:nvSpPr>
+          <p:cNvPr id="63" name="TextBox 62">
+            <a:extLst>
+              <a:ext uri="{FF2B5EF4-FFF2-40B4-BE49-F238E27FC236}">
+                <a16:creationId xmlns:a16="http://schemas.microsoft.com/office/drawing/2014/main" id="{693DE51F-817B-49A8-9AF7-FECA140F580E}"/>
+              </a:ext>
+            </a:extLst>
+          </p:cNvPr>
+          <p:cNvSpPr txBox="1"/>
+          <p:nvPr/>
+        </p:nvSpPr>
+        <p:spPr>
+          <a:xfrm>
+            <a:off x="634395" y="423203"/>
+            <a:ext cx="524503" cy="253916"/>
+          </a:xfrm>
+          <a:prstGeom prst="rect">
+            <a:avLst/>
+          </a:prstGeom>
+          <a:noFill/>
+        </p:spPr>
+        <p:txBody>
+          <a:bodyPr wrap="none" rtlCol="0">
+            <a:spAutoFit/>
+          </a:bodyPr>
+          <a:lstStyle/>
+          <a:p>
+            <a:r>
+              <a:rPr lang="en-US" sz="1050" dirty="0"/>
+              <a:t>points</a:t>
+            </a:r>
+            <a:endParaRPr lang="en-US" sz="1100" dirty="0"/>
+          </a:p>
+        </p:txBody>
+      </p:sp>
+      <p:sp>
+        <p:nvSpPr>
+          <p:cNvPr id="67" name="TextBox 66">
+            <a:extLst>
+              <a:ext uri="{FF2B5EF4-FFF2-40B4-BE49-F238E27FC236}">
+                <a16:creationId xmlns:a16="http://schemas.microsoft.com/office/drawing/2014/main" id="{3E97EEAF-975A-4D96-A08C-44311D433AAD}"/>
+              </a:ext>
+            </a:extLst>
+          </p:cNvPr>
+          <p:cNvSpPr txBox="1"/>
+          <p:nvPr/>
+        </p:nvSpPr>
+        <p:spPr>
+          <a:xfrm>
+            <a:off x="3077149" y="141871"/>
+            <a:ext cx="1343829" cy="307777"/>
+          </a:xfrm>
+          <a:prstGeom prst="rect">
+            <a:avLst/>
+          </a:prstGeom>
+          <a:noFill/>
+        </p:spPr>
+        <p:txBody>
+          <a:bodyPr wrap="none" rtlCol="0">
+            <a:spAutoFit/>
+          </a:bodyPr>
+          <a:lstStyle/>
+          <a:p>
+            <a:r>
+              <a:rPr lang="en-US" sz="1400" b="1" dirty="0">
+                <a:solidFill>
+                  <a:schemeClr val="accent1">
+                    <a:lumMod val="50000"/>
+                  </a:schemeClr>
+                </a:solidFill>
+              </a:rPr>
+              <a:t>Data extraction</a:t>
+            </a:r>
+          </a:p>
+        </p:txBody>
+      </p:sp>
+      <p:sp>
+        <p:nvSpPr>
+          <p:cNvPr id="69" name="TextBox 68">
+            <a:extLst>
+              <a:ext uri="{FF2B5EF4-FFF2-40B4-BE49-F238E27FC236}">
+                <a16:creationId xmlns:a16="http://schemas.microsoft.com/office/drawing/2014/main" id="{E235E8D9-81F0-4DF0-A2E1-EABA9D1DE790}"/>
+              </a:ext>
+            </a:extLst>
+          </p:cNvPr>
+          <p:cNvSpPr txBox="1"/>
+          <p:nvPr/>
+        </p:nvSpPr>
+        <p:spPr>
+          <a:xfrm>
+            <a:off x="3068107" y="2235223"/>
+            <a:ext cx="1352871" cy="307777"/>
+          </a:xfrm>
+          <a:prstGeom prst="rect">
+            <a:avLst/>
+          </a:prstGeom>
+          <a:noFill/>
+        </p:spPr>
+        <p:txBody>
+          <a:bodyPr wrap="none" rtlCol="0">
+            <a:spAutoFit/>
+          </a:bodyPr>
+          <a:lstStyle/>
+          <a:p>
+            <a:r>
+              <a:rPr lang="en-US" sz="1400" b="1" dirty="0">
+                <a:solidFill>
+                  <a:schemeClr val="accent2">
+                    <a:lumMod val="50000"/>
+                  </a:schemeClr>
+                </a:solidFill>
+              </a:rPr>
+              <a:t>Data processing</a:t>
+            </a:r>
+          </a:p>
+        </p:txBody>
+      </p:sp>
+      <p:sp>
+        <p:nvSpPr>
+          <p:cNvPr id="70" name="Rectangle: Rounded Corners 69">
+            <a:extLst>
+              <a:ext uri="{FF2B5EF4-FFF2-40B4-BE49-F238E27FC236}">
+                <a16:creationId xmlns:a16="http://schemas.microsoft.com/office/drawing/2014/main" id="{399C1309-FDD0-4373-8066-E8EAC52E7788}"/>
               </a:ext>
             </a:extLst>
           </p:cNvPr>
@@ -4301,8 +4264,8 @@
         </p:nvSpPr>
         <p:spPr>
           <a:xfrm>
-            <a:off x="1920459" y="4265753"/>
-            <a:ext cx="2009775" cy="182880"/>
+            <a:off x="191081" y="4789175"/>
+            <a:ext cx="1851497" cy="182880"/>
           </a:xfrm>
           <a:prstGeom prst="roundRect">
             <a:avLst/>
@@ -4345,326 +4308,19 @@
                   <a:schemeClr val="tx1"/>
                 </a:solidFill>
               </a:rPr>
-              <a:t>lsat_summarize_data_avail</a:t>
-            </a:r>
-            <a:endParaRPr lang="en-US" sz="1200" dirty="0">
-              <a:solidFill>
-                <a:schemeClr val="tx1"/>
-              </a:solidFill>
-            </a:endParaRPr>
-          </a:p>
-        </p:txBody>
-      </p:sp>
-      <p:sp>
-        <p:nvSpPr>
-          <p:cNvPr id="60" name="TextBox 59">
-            <a:extLst>
-              <a:ext uri="{FF2B5EF4-FFF2-40B4-BE49-F238E27FC236}">
-                <a16:creationId xmlns:a16="http://schemas.microsoft.com/office/drawing/2014/main" id="{E5132F42-B82C-4D84-957E-90B815C34AD5}"/>
-              </a:ext>
-            </a:extLst>
-          </p:cNvPr>
-          <p:cNvSpPr txBox="1"/>
-          <p:nvPr/>
-        </p:nvSpPr>
-        <p:spPr>
-          <a:xfrm>
-            <a:off x="1610426" y="550203"/>
-            <a:ext cx="675185" cy="253916"/>
-          </a:xfrm>
-          <a:prstGeom prst="rect">
-            <a:avLst/>
-          </a:prstGeom>
-          <a:noFill/>
-        </p:spPr>
-        <p:txBody>
-          <a:bodyPr wrap="none" rtlCol="0">
-            <a:spAutoFit/>
-          </a:bodyPr>
-          <a:lstStyle/>
-          <a:p>
-            <a:r>
-              <a:rPr lang="en-US" sz="1050" dirty="0"/>
-              <a:t>polygons</a:t>
-            </a:r>
-            <a:endParaRPr lang="en-US" sz="1100" dirty="0"/>
-          </a:p>
-        </p:txBody>
-      </p:sp>
-      <p:sp>
-        <p:nvSpPr>
-          <p:cNvPr id="63" name="TextBox 62">
-            <a:extLst>
-              <a:ext uri="{FF2B5EF4-FFF2-40B4-BE49-F238E27FC236}">
-                <a16:creationId xmlns:a16="http://schemas.microsoft.com/office/drawing/2014/main" id="{693DE51F-817B-49A8-9AF7-FECA140F580E}"/>
-              </a:ext>
-            </a:extLst>
-          </p:cNvPr>
-          <p:cNvSpPr txBox="1"/>
-          <p:nvPr/>
-        </p:nvSpPr>
-        <p:spPr>
-          <a:xfrm>
-            <a:off x="1092107" y="550203"/>
-            <a:ext cx="524503" cy="253916"/>
-          </a:xfrm>
-          <a:prstGeom prst="rect">
-            <a:avLst/>
-          </a:prstGeom>
-          <a:noFill/>
-        </p:spPr>
-        <p:txBody>
-          <a:bodyPr wrap="none" rtlCol="0">
-            <a:spAutoFit/>
-          </a:bodyPr>
-          <a:lstStyle/>
-          <a:p>
-            <a:r>
-              <a:rPr lang="en-US" sz="1050" dirty="0"/>
-              <a:t>points</a:t>
-            </a:r>
-            <a:endParaRPr lang="en-US" sz="1100" dirty="0"/>
-          </a:p>
-        </p:txBody>
-      </p:sp>
-      <p:sp>
-        <p:nvSpPr>
-          <p:cNvPr id="67" name="TextBox 66">
-            <a:extLst>
-              <a:ext uri="{FF2B5EF4-FFF2-40B4-BE49-F238E27FC236}">
-                <a16:creationId xmlns:a16="http://schemas.microsoft.com/office/drawing/2014/main" id="{3E97EEAF-975A-4D96-A08C-44311D433AAD}"/>
-              </a:ext>
-            </a:extLst>
-          </p:cNvPr>
-          <p:cNvSpPr txBox="1"/>
-          <p:nvPr/>
-        </p:nvSpPr>
-        <p:spPr>
-          <a:xfrm>
-            <a:off x="2722620" y="268871"/>
-            <a:ext cx="1343829" cy="307777"/>
-          </a:xfrm>
-          <a:prstGeom prst="rect">
-            <a:avLst/>
-          </a:prstGeom>
-          <a:noFill/>
-        </p:spPr>
-        <p:txBody>
-          <a:bodyPr wrap="none" rtlCol="0">
-            <a:spAutoFit/>
-          </a:bodyPr>
-          <a:lstStyle/>
-          <a:p>
-            <a:r>
-              <a:rPr lang="en-US" sz="1400" b="1" dirty="0">
-                <a:solidFill>
-                  <a:schemeClr val="accent1">
-                    <a:lumMod val="50000"/>
-                  </a:schemeClr>
-                </a:solidFill>
-              </a:rPr>
-              <a:t>Data extraction</a:t>
-            </a:r>
-          </a:p>
-        </p:txBody>
-      </p:sp>
-      <p:sp>
-        <p:nvSpPr>
-          <p:cNvPr id="69" name="TextBox 68">
-            <a:extLst>
-              <a:ext uri="{FF2B5EF4-FFF2-40B4-BE49-F238E27FC236}">
-                <a16:creationId xmlns:a16="http://schemas.microsoft.com/office/drawing/2014/main" id="{E235E8D9-81F0-4DF0-A2E1-EABA9D1DE790}"/>
-              </a:ext>
-            </a:extLst>
-          </p:cNvPr>
-          <p:cNvSpPr txBox="1"/>
-          <p:nvPr/>
-        </p:nvSpPr>
-        <p:spPr>
-          <a:xfrm>
-            <a:off x="2718099" y="2362223"/>
-            <a:ext cx="1352871" cy="307777"/>
-          </a:xfrm>
-          <a:prstGeom prst="rect">
-            <a:avLst/>
-          </a:prstGeom>
-          <a:noFill/>
-        </p:spPr>
-        <p:txBody>
-          <a:bodyPr wrap="none" rtlCol="0">
-            <a:spAutoFit/>
-          </a:bodyPr>
-          <a:lstStyle/>
-          <a:p>
-            <a:r>
-              <a:rPr lang="en-US" sz="1400" b="1" dirty="0">
-                <a:solidFill>
-                  <a:schemeClr val="accent2">
-                    <a:lumMod val="50000"/>
-                  </a:schemeClr>
-                </a:solidFill>
-              </a:rPr>
-              <a:t>Data processing</a:t>
-            </a:r>
-          </a:p>
-        </p:txBody>
-      </p:sp>
-      <p:sp>
-        <p:nvSpPr>
-          <p:cNvPr id="70" name="Rectangle: Rounded Corners 69">
-            <a:extLst>
-              <a:ext uri="{FF2B5EF4-FFF2-40B4-BE49-F238E27FC236}">
-                <a16:creationId xmlns:a16="http://schemas.microsoft.com/office/drawing/2014/main" id="{399C1309-FDD0-4373-8066-E8EAC52E7788}"/>
-              </a:ext>
-            </a:extLst>
-          </p:cNvPr>
-          <p:cNvSpPr/>
-          <p:nvPr/>
-        </p:nvSpPr>
-        <p:spPr>
-          <a:xfrm>
-            <a:off x="960856" y="4706444"/>
-            <a:ext cx="1236261" cy="182880"/>
-          </a:xfrm>
-          <a:prstGeom prst="roundRect">
-            <a:avLst/>
-          </a:prstGeom>
-          <a:solidFill>
-            <a:schemeClr val="bg1">
-              <a:lumMod val="95000"/>
-            </a:schemeClr>
-          </a:solidFill>
-          <a:ln>
-            <a:solidFill>
-              <a:schemeClr val="tx1"/>
-            </a:solidFill>
-          </a:ln>
-        </p:spPr>
-        <p:style>
-          <a:lnRef idx="2">
-            <a:schemeClr val="accent1">
-              <a:shade val="50000"/>
-            </a:schemeClr>
-          </a:lnRef>
-          <a:fillRef idx="1">
-            <a:schemeClr val="accent1"/>
-          </a:fillRef>
-          <a:effectRef idx="0">
-            <a:schemeClr val="accent1"/>
-          </a:effectRef>
-          <a:fontRef idx="minor">
-            <a:schemeClr val="lt1"/>
-          </a:fontRef>
-        </p:style>
-        <p:txBody>
-          <a:bodyPr rtlCol="0" anchor="ctr"/>
-          <a:lstStyle/>
-          <a:p>
-            <a:pPr algn="ctr"/>
-            <a:r>
-              <a:rPr lang="en-US" sz="1200" dirty="0" err="1">
+              <a:t>lsat_calibrate</a:t>
+            </a:r>
+            <a:r>
+              <a:rPr lang="en-US" sz="1200" dirty="0">
                 <a:solidFill>
                   <a:schemeClr val="tx1"/>
                 </a:solidFill>
               </a:rPr>
-              <a:t>lsat_calibrate_rf</a:t>
-            </a:r>
-            <a:endParaRPr lang="en-US" sz="1200" dirty="0">
-              <a:solidFill>
-                <a:schemeClr val="tx1"/>
-              </a:solidFill>
-            </a:endParaRPr>
-          </a:p>
-        </p:txBody>
-      </p:sp>
-      <p:cxnSp>
-        <p:nvCxnSpPr>
-          <p:cNvPr id="74" name="Connector: Elbow 73">
-            <a:extLst>
-              <a:ext uri="{FF2B5EF4-FFF2-40B4-BE49-F238E27FC236}">
-                <a16:creationId xmlns:a16="http://schemas.microsoft.com/office/drawing/2014/main" id="{2D289FC2-646D-4EE3-8B26-C3B14B7B3277}"/>
-              </a:ext>
-            </a:extLst>
-          </p:cNvPr>
-          <p:cNvCxnSpPr>
-            <a:cxnSpLocks/>
-            <a:stCxn id="48" idx="2"/>
-            <a:endCxn id="59" idx="0"/>
-          </p:cNvCxnSpPr>
-          <p:nvPr/>
-        </p:nvCxnSpPr>
-        <p:spPr>
-          <a:xfrm rot="16200000" flipH="1">
-            <a:off x="2095163" y="3435569"/>
-            <a:ext cx="314006" cy="1346361"/>
-          </a:xfrm>
-          <a:prstGeom prst="bentConnector3">
-            <a:avLst>
-              <a:gd name="adj1" fmla="val 50000"/>
-            </a:avLst>
-          </a:prstGeom>
-          <a:ln>
-            <a:tailEnd type="triangle"/>
-          </a:ln>
-        </p:spPr>
-        <p:style>
-          <a:lnRef idx="1">
-            <a:schemeClr val="dk1"/>
-          </a:lnRef>
-          <a:fillRef idx="0">
-            <a:schemeClr val="dk1"/>
-          </a:fillRef>
-          <a:effectRef idx="0">
-            <a:schemeClr val="dk1"/>
-          </a:effectRef>
-          <a:fontRef idx="minor">
-            <a:schemeClr val="tx1"/>
-          </a:fontRef>
-        </p:style>
-      </p:cxnSp>
-      <p:cxnSp>
-        <p:nvCxnSpPr>
-          <p:cNvPr id="78" name="Straight Arrow Connector 77">
-            <a:extLst>
-              <a:ext uri="{FF2B5EF4-FFF2-40B4-BE49-F238E27FC236}">
-                <a16:creationId xmlns:a16="http://schemas.microsoft.com/office/drawing/2014/main" id="{B355CAE9-C47C-4E60-9474-806779F429E5}"/>
-              </a:ext>
-            </a:extLst>
-          </p:cNvPr>
-          <p:cNvCxnSpPr>
-            <a:cxnSpLocks/>
-            <a:stCxn id="48" idx="2"/>
-            <a:endCxn id="70" idx="0"/>
-          </p:cNvCxnSpPr>
-          <p:nvPr/>
-        </p:nvCxnSpPr>
-        <p:spPr>
-          <a:xfrm>
-            <a:off x="1578986" y="3951747"/>
-            <a:ext cx="1" cy="754697"/>
-          </a:xfrm>
-          <a:prstGeom prst="straightConnector1">
-            <a:avLst/>
-          </a:prstGeom>
-          <a:ln>
-            <a:tailEnd type="triangle"/>
-          </a:ln>
-        </p:spPr>
-        <p:style>
-          <a:lnRef idx="1">
-            <a:schemeClr val="dk1"/>
-          </a:lnRef>
-          <a:fillRef idx="0">
-            <a:schemeClr val="dk1"/>
-          </a:fillRef>
-          <a:effectRef idx="0">
-            <a:schemeClr val="dk1"/>
-          </a:effectRef>
-          <a:fontRef idx="minor">
-            <a:schemeClr val="tx1"/>
-          </a:fontRef>
-        </p:style>
-      </p:cxnSp>
+              <a:t>_...</a:t>
+            </a:r>
+          </a:p>
+        </p:txBody>
+      </p:sp>
       <p:cxnSp>
         <p:nvCxnSpPr>
           <p:cNvPr id="91" name="Straight Arrow Connector 90">
@@ -4676,20 +4332,18 @@
           </p:cNvPr>
           <p:cNvCxnSpPr>
             <a:cxnSpLocks/>
-            <a:stCxn id="70" idx="2"/>
-            <a:endCxn id="55" idx="0"/>
           </p:cNvCxnSpPr>
           <p:nvPr/>
         </p:nvCxnSpPr>
         <p:spPr>
-          <a:xfrm>
-            <a:off x="1578987" y="4889324"/>
-            <a:ext cx="0" cy="274486"/>
+          <a:xfrm flipH="1">
+            <a:off x="1107772" y="4972055"/>
+            <a:ext cx="11281" cy="1971636"/>
           </a:xfrm>
           <a:prstGeom prst="straightConnector1">
             <a:avLst/>
           </a:prstGeom>
-          <a:ln>
+          <a:ln w="28575">
             <a:tailEnd type="triangle"/>
           </a:ln>
         </p:spPr>
@@ -4726,250 +4380,18 @@
         </p:nvCxnSpPr>
         <p:spPr>
           <a:xfrm flipH="1">
-            <a:off x="1578986" y="5346690"/>
-            <a:ext cx="1" cy="293355"/>
+            <a:off x="2490638" y="5457131"/>
+            <a:ext cx="1" cy="140533"/>
           </a:xfrm>
           <a:prstGeom prst="straightConnector1">
             <a:avLst/>
           </a:prstGeom>
-          <a:ln>
-            <a:tailEnd type="triangle"/>
-          </a:ln>
-        </p:spPr>
-        <p:style>
-          <a:lnRef idx="1">
-            <a:schemeClr val="dk1"/>
-          </a:lnRef>
-          <a:fillRef idx="0">
-            <a:schemeClr val="dk1"/>
-          </a:fillRef>
-          <a:effectRef idx="0">
-            <a:schemeClr val="dk1"/>
-          </a:effectRef>
-          <a:fontRef idx="minor">
-            <a:schemeClr val="tx1"/>
-          </a:fontRef>
-        </p:style>
-      </p:cxnSp>
-      <p:cxnSp>
-        <p:nvCxnSpPr>
-          <p:cNvPr id="99" name="Connector: Elbow 98">
-            <a:extLst>
-              <a:ext uri="{FF2B5EF4-FFF2-40B4-BE49-F238E27FC236}">
-                <a16:creationId xmlns:a16="http://schemas.microsoft.com/office/drawing/2014/main" id="{238D9827-01B4-4410-BC7C-E01D84A06887}"/>
-              </a:ext>
-            </a:extLst>
-          </p:cNvPr>
-          <p:cNvCxnSpPr>
-            <a:cxnSpLocks/>
-            <a:stCxn id="56" idx="2"/>
-            <a:endCxn id="57" idx="0"/>
-          </p:cNvCxnSpPr>
-          <p:nvPr/>
-        </p:nvCxnSpPr>
-        <p:spPr>
-          <a:xfrm rot="16200000" flipH="1">
-            <a:off x="2105558" y="5296353"/>
-            <a:ext cx="293216" cy="1346360"/>
-          </a:xfrm>
-          <a:prstGeom prst="bentConnector3">
-            <a:avLst>
-              <a:gd name="adj1" fmla="val 50000"/>
-            </a:avLst>
-          </a:prstGeom>
-          <a:ln>
-            <a:tailEnd type="triangle"/>
-          </a:ln>
-        </p:spPr>
-        <p:style>
-          <a:lnRef idx="1">
-            <a:schemeClr val="dk1"/>
-          </a:lnRef>
-          <a:fillRef idx="0">
-            <a:schemeClr val="dk1"/>
-          </a:fillRef>
-          <a:effectRef idx="0">
-            <a:schemeClr val="dk1"/>
-          </a:effectRef>
-          <a:fontRef idx="minor">
-            <a:schemeClr val="tx1"/>
-          </a:fontRef>
-        </p:style>
-      </p:cxnSp>
-      <p:cxnSp>
-        <p:nvCxnSpPr>
-          <p:cNvPr id="102" name="Straight Arrow Connector 101">
-            <a:extLst>
-              <a:ext uri="{FF2B5EF4-FFF2-40B4-BE49-F238E27FC236}">
-                <a16:creationId xmlns:a16="http://schemas.microsoft.com/office/drawing/2014/main" id="{653263E0-279C-4242-98D6-EBDE94BE00D6}"/>
-              </a:ext>
-            </a:extLst>
-          </p:cNvPr>
-          <p:cNvCxnSpPr>
-            <a:cxnSpLocks/>
-            <a:stCxn id="56" idx="2"/>
-            <a:endCxn id="58" idx="0"/>
-          </p:cNvCxnSpPr>
-          <p:nvPr/>
-        </p:nvCxnSpPr>
-        <p:spPr>
-          <a:xfrm>
-            <a:off x="1578986" y="5822925"/>
-            <a:ext cx="0" cy="706744"/>
-          </a:xfrm>
-          <a:prstGeom prst="straightConnector1">
-            <a:avLst/>
-          </a:prstGeom>
-          <a:ln>
-            <a:tailEnd type="triangle"/>
-          </a:ln>
-        </p:spPr>
-        <p:style>
-          <a:lnRef idx="1">
-            <a:schemeClr val="dk1"/>
-          </a:lnRef>
-          <a:fillRef idx="0">
-            <a:schemeClr val="dk1"/>
-          </a:fillRef>
-          <a:effectRef idx="0">
-            <a:schemeClr val="dk1"/>
-          </a:effectRef>
-          <a:fontRef idx="minor">
-            <a:schemeClr val="tx1"/>
-          </a:fontRef>
-        </p:style>
-      </p:cxnSp>
-      <p:sp>
-        <p:nvSpPr>
-          <p:cNvPr id="107" name="TextBox 106">
-            <a:extLst>
-              <a:ext uri="{FF2B5EF4-FFF2-40B4-BE49-F238E27FC236}">
-                <a16:creationId xmlns:a16="http://schemas.microsoft.com/office/drawing/2014/main" id="{2E8A83C7-EBA3-4AA9-8386-3B3442F50C35}"/>
-              </a:ext>
-            </a:extLst>
-          </p:cNvPr>
-          <p:cNvSpPr txBox="1"/>
-          <p:nvPr/>
-        </p:nvSpPr>
-        <p:spPr>
-          <a:xfrm>
-            <a:off x="3316525" y="3084791"/>
-            <a:ext cx="636713" cy="253916"/>
-          </a:xfrm>
-          <a:prstGeom prst="rect">
-            <a:avLst/>
-          </a:prstGeom>
-          <a:noFill/>
-        </p:spPr>
-        <p:txBody>
-          <a:bodyPr wrap="none" rtlCol="0">
-            <a:spAutoFit/>
-          </a:bodyPr>
-          <a:lstStyle/>
-          <a:p>
-            <a:r>
-              <a:rPr lang="en-US" sz="1050" i="1" dirty="0"/>
-              <a:t>optional</a:t>
-            </a:r>
-            <a:endParaRPr lang="en-US" sz="1100" i="1" dirty="0"/>
-          </a:p>
-        </p:txBody>
-      </p:sp>
-      <p:sp>
-        <p:nvSpPr>
-          <p:cNvPr id="108" name="TextBox 107">
-            <a:extLst>
-              <a:ext uri="{FF2B5EF4-FFF2-40B4-BE49-F238E27FC236}">
-                <a16:creationId xmlns:a16="http://schemas.microsoft.com/office/drawing/2014/main" id="{0A2A00B3-7BF3-4285-867B-92567C8E1E16}"/>
-              </a:ext>
-            </a:extLst>
-          </p:cNvPr>
-          <p:cNvSpPr txBox="1"/>
-          <p:nvPr/>
-        </p:nvSpPr>
-        <p:spPr>
-          <a:xfrm>
-            <a:off x="3378805" y="4033892"/>
-            <a:ext cx="636713" cy="253916"/>
-          </a:xfrm>
-          <a:prstGeom prst="rect">
-            <a:avLst/>
-          </a:prstGeom>
-          <a:noFill/>
-        </p:spPr>
-        <p:txBody>
-          <a:bodyPr wrap="none" rtlCol="0">
-            <a:spAutoFit/>
-          </a:bodyPr>
-          <a:lstStyle/>
-          <a:p>
-            <a:r>
-              <a:rPr lang="en-US" sz="1050" i="1" dirty="0"/>
-              <a:t>optional</a:t>
-            </a:r>
-            <a:endParaRPr lang="en-US" sz="1100" i="1" dirty="0"/>
-          </a:p>
-        </p:txBody>
-      </p:sp>
-      <p:sp>
-        <p:nvSpPr>
-          <p:cNvPr id="109" name="TextBox 108">
-            <a:extLst>
-              <a:ext uri="{FF2B5EF4-FFF2-40B4-BE49-F238E27FC236}">
-                <a16:creationId xmlns:a16="http://schemas.microsoft.com/office/drawing/2014/main" id="{B7FD671E-D623-40BA-A9C9-04F175821CD2}"/>
-              </a:ext>
-            </a:extLst>
-          </p:cNvPr>
-          <p:cNvSpPr txBox="1"/>
-          <p:nvPr/>
-        </p:nvSpPr>
-        <p:spPr>
-          <a:xfrm>
-            <a:off x="3569023" y="5901320"/>
-            <a:ext cx="636713" cy="253916"/>
-          </a:xfrm>
-          <a:prstGeom prst="rect">
-            <a:avLst/>
-          </a:prstGeom>
-          <a:noFill/>
-        </p:spPr>
-        <p:txBody>
-          <a:bodyPr wrap="none" rtlCol="0">
-            <a:spAutoFit/>
-          </a:bodyPr>
-          <a:lstStyle/>
-          <a:p>
-            <a:r>
-              <a:rPr lang="en-US" sz="1050" i="1" dirty="0"/>
-              <a:t>optional</a:t>
-            </a:r>
-            <a:endParaRPr lang="en-US" sz="1100" i="1" dirty="0"/>
-          </a:p>
-        </p:txBody>
-      </p:sp>
-      <p:cxnSp>
-        <p:nvCxnSpPr>
-          <p:cNvPr id="41" name="Straight Arrow Connector 40">
-            <a:extLst>
-              <a:ext uri="{FF2B5EF4-FFF2-40B4-BE49-F238E27FC236}">
-                <a16:creationId xmlns:a16="http://schemas.microsoft.com/office/drawing/2014/main" id="{F320C4F3-A32F-42C7-B449-E08D32BA44D4}"/>
-              </a:ext>
-            </a:extLst>
-          </p:cNvPr>
-          <p:cNvCxnSpPr>
-            <a:cxnSpLocks/>
-          </p:cNvCxnSpPr>
-          <p:nvPr/>
-        </p:nvCxnSpPr>
-        <p:spPr>
-          <a:xfrm>
-            <a:off x="574099" y="5814993"/>
-            <a:ext cx="0" cy="1077609"/>
-          </a:xfrm>
-          <a:prstGeom prst="straightConnector1">
-            <a:avLst/>
-          </a:prstGeom>
-          <a:ln>
+          <a:ln w="12700">
+            <a:solidFill>
+              <a:schemeClr val="bg2">
+                <a:lumMod val="50000"/>
+              </a:schemeClr>
+            </a:solidFill>
             <a:tailEnd type="triangle"/>
           </a:ln>
         </p:spPr>
@@ -5005,13 +4427,16 @@
         </p:nvCxnSpPr>
         <p:spPr>
           <a:xfrm flipH="1">
-            <a:off x="1578985" y="6712549"/>
+            <a:off x="2168615" y="6706488"/>
             <a:ext cx="1" cy="237203"/>
           </a:xfrm>
           <a:prstGeom prst="straightConnector1">
             <a:avLst/>
           </a:prstGeom>
-          <a:ln>
+          <a:ln w="12700">
+            <a:solidFill>
+              <a:schemeClr val="tx1"/>
+            </a:solidFill>
             <a:tailEnd type="triangle"/>
           </a:ln>
         </p:spPr>
@@ -5032,46 +4457,6 @@
       </p:cxnSp>
       <p:sp>
         <p:nvSpPr>
-          <p:cNvPr id="53" name="TextBox 52">
-            <a:extLst>
-              <a:ext uri="{FF2B5EF4-FFF2-40B4-BE49-F238E27FC236}">
-                <a16:creationId xmlns:a16="http://schemas.microsoft.com/office/drawing/2014/main" id="{D52D6606-3646-4EF9-BBE6-1AFD2A2EA740}"/>
-              </a:ext>
-            </a:extLst>
-          </p:cNvPr>
-          <p:cNvSpPr txBox="1"/>
-          <p:nvPr/>
-        </p:nvSpPr>
-        <p:spPr>
-          <a:xfrm>
-            <a:off x="411930" y="6778296"/>
-            <a:ext cx="352666" cy="369332"/>
-          </a:xfrm>
-          <a:prstGeom prst="rect">
-            <a:avLst/>
-          </a:prstGeom>
-          <a:noFill/>
-        </p:spPr>
-        <p:txBody>
-          <a:bodyPr wrap="square">
-            <a:spAutoFit/>
-          </a:bodyPr>
-          <a:lstStyle/>
-          <a:p>
-            <a:r>
-              <a:rPr lang="en-US" sz="1800" i="1" dirty="0">
-                <a:solidFill>
-                  <a:schemeClr val="tx1"/>
-                </a:solidFill>
-              </a:rPr>
-              <a:t>…</a:t>
-            </a:r>
-            <a:endParaRPr lang="en-US" dirty="0"/>
-          </a:p>
-        </p:txBody>
-      </p:sp>
-      <p:sp>
-        <p:nvSpPr>
           <p:cNvPr id="54" name="TextBox 53">
             <a:extLst>
               <a:ext uri="{FF2B5EF4-FFF2-40B4-BE49-F238E27FC236}">
@@ -5084,7 +4469,7 @@
         </p:nvSpPr>
         <p:spPr>
           <a:xfrm>
-            <a:off x="1416941" y="6788496"/>
+            <a:off x="939179" y="6802332"/>
             <a:ext cx="352666" cy="369332"/>
           </a:xfrm>
           <a:prstGeom prst="rect">
@@ -5138,7 +4523,7 @@
         </p:blipFill>
         <p:spPr>
           <a:xfrm>
-            <a:off x="1347959" y="1751541"/>
+            <a:off x="890247" y="1624541"/>
             <a:ext cx="476830" cy="476830"/>
           </a:xfrm>
           <a:prstGeom prst="rect">
@@ -5160,7 +4545,7 @@
         </p:nvSpPr>
         <p:spPr>
           <a:xfrm>
-            <a:off x="1762470" y="1862768"/>
+            <a:off x="1304758" y="1735768"/>
             <a:ext cx="433132" cy="276999"/>
           </a:xfrm>
           <a:prstGeom prst="rect">
@@ -5181,6 +4566,573 @@
           </a:p>
         </p:txBody>
       </p:sp>
+      <p:sp>
+        <p:nvSpPr>
+          <p:cNvPr id="20" name="Rectangle: Rounded Corners 19">
+            <a:extLst>
+              <a:ext uri="{FF2B5EF4-FFF2-40B4-BE49-F238E27FC236}">
+                <a16:creationId xmlns:a16="http://schemas.microsoft.com/office/drawing/2014/main" id="{7A152BE6-2CF0-D784-E370-39EC015C23C0}"/>
+              </a:ext>
+            </a:extLst>
+          </p:cNvPr>
+          <p:cNvSpPr/>
+          <p:nvPr/>
+        </p:nvSpPr>
+        <p:spPr>
+          <a:xfrm>
+            <a:off x="1549423" y="3625896"/>
+            <a:ext cx="1836419" cy="182880"/>
+          </a:xfrm>
+          <a:prstGeom prst="roundRect">
+            <a:avLst/>
+          </a:prstGeom>
+          <a:solidFill>
+            <a:schemeClr val="bg1">
+              <a:lumMod val="95000"/>
+            </a:schemeClr>
+          </a:solidFill>
+          <a:ln>
+            <a:solidFill>
+              <a:schemeClr val="tx1"/>
+            </a:solidFill>
+          </a:ln>
+        </p:spPr>
+        <p:style>
+          <a:lnRef idx="2">
+            <a:schemeClr val="accent1">
+              <a:shade val="50000"/>
+            </a:schemeClr>
+          </a:lnRef>
+          <a:fillRef idx="1">
+            <a:schemeClr val="accent1"/>
+          </a:fillRef>
+          <a:effectRef idx="0">
+            <a:schemeClr val="accent1"/>
+          </a:effectRef>
+          <a:fontRef idx="minor">
+            <a:schemeClr val="lt1"/>
+          </a:fontRef>
+        </p:style>
+        <p:txBody>
+          <a:bodyPr rtlCol="0" anchor="ctr"/>
+          <a:lstStyle/>
+          <a:p>
+            <a:pPr algn="ctr"/>
+            <a:r>
+              <a:rPr lang="en-US" sz="1200" dirty="0" err="1">
+                <a:solidFill>
+                  <a:schemeClr val="tx1"/>
+                </a:solidFill>
+              </a:rPr>
+              <a:t>lsat_neighborhood_mean</a:t>
+            </a:r>
+            <a:endParaRPr lang="en-US" sz="1200" dirty="0">
+              <a:solidFill>
+                <a:schemeClr val="tx1"/>
+              </a:solidFill>
+            </a:endParaRPr>
+          </a:p>
+        </p:txBody>
+      </p:sp>
+      <p:cxnSp>
+        <p:nvCxnSpPr>
+          <p:cNvPr id="47" name="Straight Arrow Connector 46">
+            <a:extLst>
+              <a:ext uri="{FF2B5EF4-FFF2-40B4-BE49-F238E27FC236}">
+                <a16:creationId xmlns:a16="http://schemas.microsoft.com/office/drawing/2014/main" id="{32A14869-90C9-1D32-94B3-219722DCC97C}"/>
+              </a:ext>
+            </a:extLst>
+          </p:cNvPr>
+          <p:cNvCxnSpPr>
+            <a:cxnSpLocks/>
+          </p:cNvCxnSpPr>
+          <p:nvPr/>
+        </p:nvCxnSpPr>
+        <p:spPr>
+          <a:xfrm>
+            <a:off x="3062138" y="5780544"/>
+            <a:ext cx="0" cy="158467"/>
+          </a:xfrm>
+          <a:prstGeom prst="straightConnector1">
+            <a:avLst/>
+          </a:prstGeom>
+          <a:ln w="12700">
+            <a:solidFill>
+              <a:schemeClr val="bg2">
+                <a:lumMod val="50000"/>
+              </a:schemeClr>
+            </a:solidFill>
+            <a:tailEnd type="triangle"/>
+          </a:ln>
+        </p:spPr>
+        <p:style>
+          <a:lnRef idx="1">
+            <a:schemeClr val="dk1"/>
+          </a:lnRef>
+          <a:fillRef idx="0">
+            <a:schemeClr val="dk1"/>
+          </a:fillRef>
+          <a:effectRef idx="0">
+            <a:schemeClr val="dk1"/>
+          </a:effectRef>
+          <a:fontRef idx="minor">
+            <a:schemeClr val="tx1"/>
+          </a:fontRef>
+        </p:style>
+      </p:cxnSp>
+      <p:cxnSp>
+        <p:nvCxnSpPr>
+          <p:cNvPr id="62" name="Straight Arrow Connector 61">
+            <a:extLst>
+              <a:ext uri="{FF2B5EF4-FFF2-40B4-BE49-F238E27FC236}">
+                <a16:creationId xmlns:a16="http://schemas.microsoft.com/office/drawing/2014/main" id="{E8BCBAAC-F981-47E9-A8AB-A9AACD34499A}"/>
+              </a:ext>
+            </a:extLst>
+          </p:cNvPr>
+          <p:cNvCxnSpPr>
+            <a:cxnSpLocks/>
+          </p:cNvCxnSpPr>
+          <p:nvPr/>
+        </p:nvCxnSpPr>
+        <p:spPr>
+          <a:xfrm>
+            <a:off x="1762784" y="5780544"/>
+            <a:ext cx="0" cy="740169"/>
+          </a:xfrm>
+          <a:prstGeom prst="straightConnector1">
+            <a:avLst/>
+          </a:prstGeom>
+          <a:ln w="12700">
+            <a:solidFill>
+              <a:schemeClr val="bg2">
+                <a:lumMod val="50000"/>
+              </a:schemeClr>
+            </a:solidFill>
+            <a:tailEnd type="triangle"/>
+          </a:ln>
+        </p:spPr>
+        <p:style>
+          <a:lnRef idx="1">
+            <a:schemeClr val="dk1"/>
+          </a:lnRef>
+          <a:fillRef idx="0">
+            <a:schemeClr val="dk1"/>
+          </a:fillRef>
+          <a:effectRef idx="0">
+            <a:schemeClr val="dk1"/>
+          </a:effectRef>
+          <a:fontRef idx="minor">
+            <a:schemeClr val="tx1"/>
+          </a:fontRef>
+        </p:style>
+      </p:cxnSp>
+      <p:sp>
+        <p:nvSpPr>
+          <p:cNvPr id="71" name="TextBox 70">
+            <a:extLst>
+              <a:ext uri="{FF2B5EF4-FFF2-40B4-BE49-F238E27FC236}">
+                <a16:creationId xmlns:a16="http://schemas.microsoft.com/office/drawing/2014/main" id="{38BD4DA3-32D8-0607-9A45-2B851A2EBF8B}"/>
+              </a:ext>
+            </a:extLst>
+          </p:cNvPr>
+          <p:cNvSpPr txBox="1"/>
+          <p:nvPr/>
+        </p:nvSpPr>
+        <p:spPr>
+          <a:xfrm>
+            <a:off x="2010520" y="6802332"/>
+            <a:ext cx="352666" cy="369332"/>
+          </a:xfrm>
+          <a:prstGeom prst="rect">
+            <a:avLst/>
+          </a:prstGeom>
+          <a:noFill/>
+          <a:ln>
+            <a:noFill/>
+          </a:ln>
+        </p:spPr>
+        <p:txBody>
+          <a:bodyPr wrap="square">
+            <a:spAutoFit/>
+          </a:bodyPr>
+          <a:lstStyle/>
+          <a:p>
+            <a:r>
+              <a:rPr lang="en-US" sz="1800" i="1" dirty="0">
+                <a:solidFill>
+                  <a:schemeClr val="tx1"/>
+                </a:solidFill>
+              </a:rPr>
+              <a:t>…</a:t>
+            </a:r>
+            <a:endParaRPr lang="en-US" dirty="0"/>
+          </a:p>
+        </p:txBody>
+      </p:sp>
+      <p:cxnSp>
+        <p:nvCxnSpPr>
+          <p:cNvPr id="86" name="Connector: Elbow 85">
+            <a:extLst>
+              <a:ext uri="{FF2B5EF4-FFF2-40B4-BE49-F238E27FC236}">
+                <a16:creationId xmlns:a16="http://schemas.microsoft.com/office/drawing/2014/main" id="{2D75CF55-A6B6-8BFD-B2D7-29F77F76964F}"/>
+              </a:ext>
+            </a:extLst>
+          </p:cNvPr>
+          <p:cNvCxnSpPr>
+            <a:cxnSpLocks/>
+          </p:cNvCxnSpPr>
+          <p:nvPr/>
+        </p:nvCxnSpPr>
+        <p:spPr>
+          <a:xfrm>
+            <a:off x="1130799" y="3012899"/>
+            <a:ext cx="1346360" cy="150178"/>
+          </a:xfrm>
+          <a:prstGeom prst="bentConnector2">
+            <a:avLst/>
+          </a:prstGeom>
+          <a:ln w="12700">
+            <a:solidFill>
+              <a:schemeClr val="bg2">
+                <a:lumMod val="50000"/>
+              </a:schemeClr>
+            </a:solidFill>
+            <a:tailEnd type="triangle"/>
+          </a:ln>
+        </p:spPr>
+        <p:style>
+          <a:lnRef idx="1">
+            <a:schemeClr val="dk1"/>
+          </a:lnRef>
+          <a:fillRef idx="0">
+            <a:schemeClr val="dk1"/>
+          </a:fillRef>
+          <a:effectRef idx="0">
+            <a:schemeClr val="dk1"/>
+          </a:effectRef>
+          <a:fontRef idx="minor">
+            <a:schemeClr val="tx1"/>
+          </a:fontRef>
+        </p:style>
+      </p:cxnSp>
+      <p:cxnSp>
+        <p:nvCxnSpPr>
+          <p:cNvPr id="88" name="Connector: Elbow 87">
+            <a:extLst>
+              <a:ext uri="{FF2B5EF4-FFF2-40B4-BE49-F238E27FC236}">
+                <a16:creationId xmlns:a16="http://schemas.microsoft.com/office/drawing/2014/main" id="{66E8755C-CA6E-EBD4-C947-547A0BFA8D06}"/>
+              </a:ext>
+            </a:extLst>
+          </p:cNvPr>
+          <p:cNvCxnSpPr>
+            <a:cxnSpLocks/>
+          </p:cNvCxnSpPr>
+          <p:nvPr/>
+        </p:nvCxnSpPr>
+        <p:spPr>
+          <a:xfrm>
+            <a:off x="1130799" y="3489149"/>
+            <a:ext cx="1346360" cy="150178"/>
+          </a:xfrm>
+          <a:prstGeom prst="bentConnector2">
+            <a:avLst/>
+          </a:prstGeom>
+          <a:ln w="12700">
+            <a:solidFill>
+              <a:schemeClr val="bg2">
+                <a:lumMod val="50000"/>
+              </a:schemeClr>
+            </a:solidFill>
+            <a:tailEnd type="triangle"/>
+          </a:ln>
+        </p:spPr>
+        <p:style>
+          <a:lnRef idx="1">
+            <a:schemeClr val="dk1"/>
+          </a:lnRef>
+          <a:fillRef idx="0">
+            <a:schemeClr val="dk1"/>
+          </a:fillRef>
+          <a:effectRef idx="0">
+            <a:schemeClr val="dk1"/>
+          </a:effectRef>
+          <a:fontRef idx="minor">
+            <a:schemeClr val="tx1"/>
+          </a:fontRef>
+        </p:style>
+      </p:cxnSp>
+      <p:cxnSp>
+        <p:nvCxnSpPr>
+          <p:cNvPr id="89" name="Connector: Elbow 88">
+            <a:extLst>
+              <a:ext uri="{FF2B5EF4-FFF2-40B4-BE49-F238E27FC236}">
+                <a16:creationId xmlns:a16="http://schemas.microsoft.com/office/drawing/2014/main" id="{0DD528DE-3316-E0AF-D2D7-ADA988CEFC0A}"/>
+              </a:ext>
+            </a:extLst>
+          </p:cNvPr>
+          <p:cNvCxnSpPr>
+            <a:cxnSpLocks/>
+          </p:cNvCxnSpPr>
+          <p:nvPr/>
+        </p:nvCxnSpPr>
+        <p:spPr>
+          <a:xfrm>
+            <a:off x="1130799" y="4126576"/>
+            <a:ext cx="1346360" cy="150178"/>
+          </a:xfrm>
+          <a:prstGeom prst="bentConnector2">
+            <a:avLst/>
+          </a:prstGeom>
+          <a:ln w="12700">
+            <a:solidFill>
+              <a:schemeClr val="bg2">
+                <a:lumMod val="50000"/>
+              </a:schemeClr>
+            </a:solidFill>
+            <a:tailEnd type="triangle"/>
+          </a:ln>
+        </p:spPr>
+        <p:style>
+          <a:lnRef idx="1">
+            <a:schemeClr val="dk1"/>
+          </a:lnRef>
+          <a:fillRef idx="0">
+            <a:schemeClr val="dk1"/>
+          </a:fillRef>
+          <a:effectRef idx="0">
+            <a:schemeClr val="dk1"/>
+          </a:effectRef>
+          <a:fontRef idx="minor">
+            <a:schemeClr val="tx1"/>
+          </a:fontRef>
+        </p:style>
+      </p:cxnSp>
+      <p:cxnSp>
+        <p:nvCxnSpPr>
+          <p:cNvPr id="92" name="Connector: Elbow 91">
+            <a:extLst>
+              <a:ext uri="{FF2B5EF4-FFF2-40B4-BE49-F238E27FC236}">
+                <a16:creationId xmlns:a16="http://schemas.microsoft.com/office/drawing/2014/main" id="{69C5B670-325C-B649-EC4E-6D8FE8F33296}"/>
+              </a:ext>
+            </a:extLst>
+          </p:cNvPr>
+          <p:cNvCxnSpPr>
+            <a:cxnSpLocks/>
+          </p:cNvCxnSpPr>
+          <p:nvPr/>
+        </p:nvCxnSpPr>
+        <p:spPr>
+          <a:xfrm>
+            <a:off x="1130799" y="669749"/>
+            <a:ext cx="1346360" cy="150178"/>
+          </a:xfrm>
+          <a:prstGeom prst="bentConnector2">
+            <a:avLst/>
+          </a:prstGeom>
+          <a:ln w="12700">
+            <a:solidFill>
+              <a:schemeClr val="tx1"/>
+            </a:solidFill>
+            <a:tailEnd type="triangle"/>
+          </a:ln>
+        </p:spPr>
+        <p:style>
+          <a:lnRef idx="1">
+            <a:schemeClr val="dk1"/>
+          </a:lnRef>
+          <a:fillRef idx="0">
+            <a:schemeClr val="dk1"/>
+          </a:fillRef>
+          <a:effectRef idx="0">
+            <a:schemeClr val="dk1"/>
+          </a:effectRef>
+          <a:fontRef idx="minor">
+            <a:schemeClr val="tx1"/>
+          </a:fontRef>
+        </p:style>
+      </p:cxnSp>
+      <p:cxnSp>
+        <p:nvCxnSpPr>
+          <p:cNvPr id="93" name="Connector: Elbow 92">
+            <a:extLst>
+              <a:ext uri="{FF2B5EF4-FFF2-40B4-BE49-F238E27FC236}">
+                <a16:creationId xmlns:a16="http://schemas.microsoft.com/office/drawing/2014/main" id="{5AB551F2-6B20-FF6C-4541-E555C975768B}"/>
+              </a:ext>
+            </a:extLst>
+          </p:cNvPr>
+          <p:cNvCxnSpPr>
+            <a:cxnSpLocks/>
+          </p:cNvCxnSpPr>
+          <p:nvPr/>
+        </p:nvCxnSpPr>
+        <p:spPr>
+          <a:xfrm>
+            <a:off x="1130799" y="5117924"/>
+            <a:ext cx="1346360" cy="150178"/>
+          </a:xfrm>
+          <a:prstGeom prst="bentConnector2">
+            <a:avLst/>
+          </a:prstGeom>
+          <a:ln w="12700">
+            <a:solidFill>
+              <a:schemeClr val="bg2">
+                <a:lumMod val="50000"/>
+              </a:schemeClr>
+            </a:solidFill>
+            <a:tailEnd type="triangle"/>
+          </a:ln>
+        </p:spPr>
+        <p:style>
+          <a:lnRef idx="1">
+            <a:schemeClr val="dk1"/>
+          </a:lnRef>
+          <a:fillRef idx="0">
+            <a:schemeClr val="dk1"/>
+          </a:fillRef>
+          <a:effectRef idx="0">
+            <a:schemeClr val="dk1"/>
+          </a:effectRef>
+          <a:fontRef idx="minor">
+            <a:schemeClr val="tx1"/>
+          </a:fontRef>
+        </p:style>
+      </p:cxnSp>
+      <p:cxnSp>
+        <p:nvCxnSpPr>
+          <p:cNvPr id="98" name="Connector: Elbow 97">
+            <a:extLst>
+              <a:ext uri="{FF2B5EF4-FFF2-40B4-BE49-F238E27FC236}">
+                <a16:creationId xmlns:a16="http://schemas.microsoft.com/office/drawing/2014/main" id="{F541F742-81E8-DDD0-D4EF-36DFD65B5E91}"/>
+              </a:ext>
+            </a:extLst>
+          </p:cNvPr>
+          <p:cNvCxnSpPr>
+            <a:cxnSpLocks/>
+          </p:cNvCxnSpPr>
+          <p:nvPr/>
+        </p:nvCxnSpPr>
+        <p:spPr>
+          <a:xfrm rot="5400000">
+            <a:off x="1725171" y="3214047"/>
+            <a:ext cx="157258" cy="1346717"/>
+          </a:xfrm>
+          <a:prstGeom prst="bentConnector2">
+            <a:avLst/>
+          </a:prstGeom>
+          <a:ln w="12700">
+            <a:solidFill>
+              <a:schemeClr val="bg2">
+                <a:lumMod val="50000"/>
+              </a:schemeClr>
+            </a:solidFill>
+            <a:tailEnd type="triangle"/>
+          </a:ln>
+        </p:spPr>
+        <p:style>
+          <a:lnRef idx="1">
+            <a:schemeClr val="dk1"/>
+          </a:lnRef>
+          <a:fillRef idx="0">
+            <a:schemeClr val="dk1"/>
+          </a:fillRef>
+          <a:effectRef idx="0">
+            <a:schemeClr val="dk1"/>
+          </a:effectRef>
+          <a:fontRef idx="minor">
+            <a:schemeClr val="tx1"/>
+          </a:fontRef>
+        </p:style>
+      </p:cxnSp>
+      <p:cxnSp>
+        <p:nvCxnSpPr>
+          <p:cNvPr id="101" name="Connector: Elbow 100">
+            <a:extLst>
+              <a:ext uri="{FF2B5EF4-FFF2-40B4-BE49-F238E27FC236}">
+                <a16:creationId xmlns:a16="http://schemas.microsoft.com/office/drawing/2014/main" id="{929691D4-93A5-5110-02C3-7E103D814A3A}"/>
+              </a:ext>
+            </a:extLst>
+          </p:cNvPr>
+          <p:cNvCxnSpPr>
+            <a:cxnSpLocks/>
+          </p:cNvCxnSpPr>
+          <p:nvPr/>
+        </p:nvCxnSpPr>
+        <p:spPr>
+          <a:xfrm rot="5400000">
+            <a:off x="1725171" y="3871337"/>
+            <a:ext cx="157258" cy="1346717"/>
+          </a:xfrm>
+          <a:prstGeom prst="bentConnector2">
+            <a:avLst/>
+          </a:prstGeom>
+          <a:ln w="12700">
+            <a:solidFill>
+              <a:schemeClr val="bg2">
+                <a:lumMod val="50000"/>
+              </a:schemeClr>
+            </a:solidFill>
+            <a:tailEnd type="triangle"/>
+          </a:ln>
+        </p:spPr>
+        <p:style>
+          <a:lnRef idx="1">
+            <a:schemeClr val="dk1"/>
+          </a:lnRef>
+          <a:fillRef idx="0">
+            <a:schemeClr val="dk1"/>
+          </a:fillRef>
+          <a:effectRef idx="0">
+            <a:schemeClr val="dk1"/>
+          </a:effectRef>
+          <a:fontRef idx="minor">
+            <a:schemeClr val="tx1"/>
+          </a:fontRef>
+        </p:style>
+      </p:cxnSp>
+      <p:cxnSp>
+        <p:nvCxnSpPr>
+          <p:cNvPr id="104" name="Connector: Elbow 103">
+            <a:extLst>
+              <a:ext uri="{FF2B5EF4-FFF2-40B4-BE49-F238E27FC236}">
+                <a16:creationId xmlns:a16="http://schemas.microsoft.com/office/drawing/2014/main" id="{53141653-D5D1-5DD1-4083-A7468F0BEB76}"/>
+              </a:ext>
+            </a:extLst>
+          </p:cNvPr>
+          <p:cNvCxnSpPr>
+            <a:cxnSpLocks/>
+          </p:cNvCxnSpPr>
+          <p:nvPr/>
+        </p:nvCxnSpPr>
+        <p:spPr>
+          <a:xfrm rot="5400000">
+            <a:off x="1725171" y="403035"/>
+            <a:ext cx="157258" cy="1346717"/>
+          </a:xfrm>
+          <a:prstGeom prst="bentConnector2">
+            <a:avLst/>
+          </a:prstGeom>
+          <a:ln w="12700">
+            <a:solidFill>
+              <a:schemeClr val="tx1"/>
+            </a:solidFill>
+            <a:tailEnd type="triangle"/>
+          </a:ln>
+        </p:spPr>
+        <p:style>
+          <a:lnRef idx="1">
+            <a:schemeClr val="dk1"/>
+          </a:lnRef>
+          <a:fillRef idx="0">
+            <a:schemeClr val="dk1"/>
+          </a:fillRef>
+          <a:effectRef idx="0">
+            <a:schemeClr val="dk1"/>
+          </a:effectRef>
+          <a:fontRef idx="minor">
+            <a:schemeClr val="tx1"/>
+          </a:fontRef>
+        </p:style>
+      </p:cxnSp>
     </p:spTree>
     <p:extLst>
       <p:ext uri="{BB962C8B-B14F-4D97-AF65-F5344CB8AC3E}">

--- a/man/manuscript/figures/figure_1_schematic.pptx
+++ b/man/manuscript/figures/figure_1_schematic.pptx
@@ -243,7 +243,7 @@
           <a:p>
             <a:fld id="{DD1C356E-5614-449E-8F90-F310717C40C4}" type="datetimeFigureOut">
               <a:rPr lang="en-US" smtClean="0"/>
-              <a:t>12/1/2022</a:t>
+              <a:t>1/12/2023</a:t>
             </a:fld>
             <a:endParaRPr lang="en-US"/>
           </a:p>
@@ -413,7 +413,7 @@
           <a:p>
             <a:fld id="{DD1C356E-5614-449E-8F90-F310717C40C4}" type="datetimeFigureOut">
               <a:rPr lang="en-US" smtClean="0"/>
-              <a:t>12/1/2022</a:t>
+              <a:t>1/12/2023</a:t>
             </a:fld>
             <a:endParaRPr lang="en-US"/>
           </a:p>
@@ -593,7 +593,7 @@
           <a:p>
             <a:fld id="{DD1C356E-5614-449E-8F90-F310717C40C4}" type="datetimeFigureOut">
               <a:rPr lang="en-US" smtClean="0"/>
-              <a:t>12/1/2022</a:t>
+              <a:t>1/12/2023</a:t>
             </a:fld>
             <a:endParaRPr lang="en-US"/>
           </a:p>
@@ -763,7 +763,7 @@
           <a:p>
             <a:fld id="{DD1C356E-5614-449E-8F90-F310717C40C4}" type="datetimeFigureOut">
               <a:rPr lang="en-US" smtClean="0"/>
-              <a:t>12/1/2022</a:t>
+              <a:t>1/12/2023</a:t>
             </a:fld>
             <a:endParaRPr lang="en-US"/>
           </a:p>
@@ -1007,7 +1007,7 @@
           <a:p>
             <a:fld id="{DD1C356E-5614-449E-8F90-F310717C40C4}" type="datetimeFigureOut">
               <a:rPr lang="en-US" smtClean="0"/>
-              <a:t>12/1/2022</a:t>
+              <a:t>1/12/2023</a:t>
             </a:fld>
             <a:endParaRPr lang="en-US"/>
           </a:p>
@@ -1239,7 +1239,7 @@
           <a:p>
             <a:fld id="{DD1C356E-5614-449E-8F90-F310717C40C4}" type="datetimeFigureOut">
               <a:rPr lang="en-US" smtClean="0"/>
-              <a:t>12/1/2022</a:t>
+              <a:t>1/12/2023</a:t>
             </a:fld>
             <a:endParaRPr lang="en-US"/>
           </a:p>
@@ -1606,7 +1606,7 @@
           <a:p>
             <a:fld id="{DD1C356E-5614-449E-8F90-F310717C40C4}" type="datetimeFigureOut">
               <a:rPr lang="en-US" smtClean="0"/>
-              <a:t>12/1/2022</a:t>
+              <a:t>1/12/2023</a:t>
             </a:fld>
             <a:endParaRPr lang="en-US"/>
           </a:p>
@@ -1724,7 +1724,7 @@
           <a:p>
             <a:fld id="{DD1C356E-5614-449E-8F90-F310717C40C4}" type="datetimeFigureOut">
               <a:rPr lang="en-US" smtClean="0"/>
-              <a:t>12/1/2022</a:t>
+              <a:t>1/12/2023</a:t>
             </a:fld>
             <a:endParaRPr lang="en-US"/>
           </a:p>
@@ -1819,7 +1819,7 @@
           <a:p>
             <a:fld id="{DD1C356E-5614-449E-8F90-F310717C40C4}" type="datetimeFigureOut">
               <a:rPr lang="en-US" smtClean="0"/>
-              <a:t>12/1/2022</a:t>
+              <a:t>1/12/2023</a:t>
             </a:fld>
             <a:endParaRPr lang="en-US"/>
           </a:p>
@@ -2096,7 +2096,7 @@
           <a:p>
             <a:fld id="{DD1C356E-5614-449E-8F90-F310717C40C4}" type="datetimeFigureOut">
               <a:rPr lang="en-US" smtClean="0"/>
-              <a:t>12/1/2022</a:t>
+              <a:t>1/12/2023</a:t>
             </a:fld>
             <a:endParaRPr lang="en-US"/>
           </a:p>
@@ -2353,7 +2353,7 @@
           <a:p>
             <a:fld id="{DD1C356E-5614-449E-8F90-F310717C40C4}" type="datetimeFigureOut">
               <a:rPr lang="en-US" smtClean="0"/>
-              <a:t>12/1/2022</a:t>
+              <a:t>1/12/2023</a:t>
             </a:fld>
             <a:endParaRPr lang="en-US"/>
           </a:p>
@@ -2566,7 +2566,7 @@
           <a:p>
             <a:fld id="{DD1C356E-5614-449E-8F90-F310717C40C4}" type="datetimeFigureOut">
               <a:rPr lang="en-US" smtClean="0"/>
-              <a:t>12/1/2022</a:t>
+              <a:t>1/12/2023</a:t>
             </a:fld>
             <a:endParaRPr lang="en-US"/>
           </a:p>
@@ -2985,8 +2985,8 @@
         </p:nvSpPr>
         <p:spPr>
           <a:xfrm>
-            <a:off x="132062" y="6168195"/>
-            <a:ext cx="4287794" cy="986037"/>
+            <a:off x="106928" y="6168195"/>
+            <a:ext cx="4287794" cy="1367583"/>
           </a:xfrm>
           <a:prstGeom prst="rect">
             <a:avLst/>
@@ -3044,8 +3044,8 @@
         </p:nvSpPr>
         <p:spPr>
           <a:xfrm>
-            <a:off x="3256620" y="6395400"/>
-            <a:ext cx="1164358" cy="307777"/>
+            <a:off x="3111840" y="6395400"/>
+            <a:ext cx="1301575" cy="338554"/>
           </a:xfrm>
           <a:prstGeom prst="rect">
             <a:avLst/>
@@ -3059,7 +3059,7 @@
           <a:lstStyle/>
           <a:p>
             <a:r>
-              <a:rPr lang="en-US" sz="1400" b="1" dirty="0">
+              <a:rPr lang="en-US" sz="1600" b="1" dirty="0">
                 <a:solidFill>
                   <a:schemeClr val="accent6">
                     <a:lumMod val="50000"/>
@@ -3085,8 +3085,8 @@
         </p:nvSpPr>
         <p:spPr>
           <a:xfrm>
-            <a:off x="132063" y="2222499"/>
-            <a:ext cx="4287793" cy="4163431"/>
+            <a:off x="106928" y="2183294"/>
+            <a:ext cx="4287793" cy="4196667"/>
           </a:xfrm>
           <a:prstGeom prst="rect">
             <a:avLst/>
@@ -3144,8 +3144,8 @@
         </p:nvSpPr>
         <p:spPr>
           <a:xfrm>
-            <a:off x="132064" y="133080"/>
-            <a:ext cx="4287792" cy="2089881"/>
+            <a:off x="106928" y="171236"/>
+            <a:ext cx="4287792" cy="2019798"/>
           </a:xfrm>
           <a:prstGeom prst="rect">
             <a:avLst/>
@@ -3254,10 +3254,10 @@
       </p:sp>
       <p:sp>
         <p:nvSpPr>
-          <p:cNvPr id="5" name="Rectangle: Rounded Corners 4">
+          <p:cNvPr id="12" name="Rectangle: Rounded Corners 11">
             <a:extLst>
               <a:ext uri="{FF2B5EF4-FFF2-40B4-BE49-F238E27FC236}">
-                <a16:creationId xmlns:a16="http://schemas.microsoft.com/office/drawing/2014/main" id="{A0AA8BBF-ACC1-4495-A01B-5B33F3246BCD}"/>
+                <a16:creationId xmlns:a16="http://schemas.microsoft.com/office/drawing/2014/main" id="{CFFE8495-BA48-4DB7-BB23-19A0DD2C58B8}"/>
               </a:ext>
             </a:extLst>
           </p:cNvPr>
@@ -3266,7 +3266,7 @@
         </p:nvSpPr>
         <p:spPr>
           <a:xfrm>
-            <a:off x="1667534" y="821355"/>
+            <a:off x="321174" y="1329346"/>
             <a:ext cx="1600200" cy="182880"/>
           </a:xfrm>
           <a:prstGeom prst="roundRect">
@@ -3277,7 +3277,7 @@
               <a:lumMod val="95000"/>
             </a:schemeClr>
           </a:solidFill>
-          <a:ln>
+          <a:ln w="12700">
             <a:solidFill>
               <a:schemeClr val="tx1"/>
             </a:solidFill>
@@ -3305,150 +3305,14 @@
           <a:p>
             <a:pPr algn="ctr"/>
             <a:r>
-              <a:rPr lang="en-US" sz="1200" dirty="0" err="1">
-                <a:solidFill>
-                  <a:schemeClr val="tx1"/>
-                </a:solidFill>
-              </a:rPr>
-              <a:t>lsat_get_pixel_center</a:t>
-            </a:r>
-            <a:endParaRPr lang="en-US" sz="1200" dirty="0">
-              <a:solidFill>
-                <a:schemeClr val="tx1"/>
-              </a:solidFill>
-            </a:endParaRPr>
-          </a:p>
-        </p:txBody>
-      </p:sp>
-      <p:sp>
-        <p:nvSpPr>
-          <p:cNvPr id="12" name="Rectangle: Rounded Corners 11">
-            <a:extLst>
-              <a:ext uri="{FF2B5EF4-FFF2-40B4-BE49-F238E27FC236}">
-                <a16:creationId xmlns:a16="http://schemas.microsoft.com/office/drawing/2014/main" id="{CFFE8495-BA48-4DB7-BB23-19A0DD2C58B8}"/>
-              </a:ext>
-            </a:extLst>
-          </p:cNvPr>
-          <p:cNvSpPr/>
-          <p:nvPr/>
-        </p:nvSpPr>
-        <p:spPr>
-          <a:xfrm>
-            <a:off x="321174" y="1329346"/>
-            <a:ext cx="1600200" cy="182880"/>
-          </a:xfrm>
-          <a:prstGeom prst="roundRect">
-            <a:avLst/>
-          </a:prstGeom>
-          <a:solidFill>
-            <a:schemeClr val="bg1">
-              <a:lumMod val="95000"/>
-            </a:schemeClr>
-          </a:solidFill>
-          <a:ln>
-            <a:solidFill>
-              <a:schemeClr val="tx1"/>
-            </a:solidFill>
-          </a:ln>
-        </p:spPr>
-        <p:style>
-          <a:lnRef idx="2">
-            <a:schemeClr val="accent1">
-              <a:shade val="50000"/>
-            </a:schemeClr>
-          </a:lnRef>
-          <a:fillRef idx="1">
-            <a:schemeClr val="accent1"/>
-          </a:fillRef>
-          <a:effectRef idx="0">
-            <a:schemeClr val="accent1"/>
-          </a:effectRef>
-          <a:fontRef idx="minor">
-            <a:schemeClr val="lt1"/>
-          </a:fontRef>
-        </p:style>
-        <p:txBody>
-          <a:bodyPr rtlCol="0" anchor="ctr"/>
-          <a:lstStyle/>
-          <a:p>
-            <a:pPr algn="ctr"/>
-            <a:r>
-              <a:rPr lang="en-US" sz="1200" dirty="0" err="1">
+              <a:rPr lang="en-US" sz="1200" b="1" dirty="0" err="1">
                 <a:solidFill>
                   <a:schemeClr val="tx1"/>
                 </a:solidFill>
               </a:rPr>
               <a:t>lsat_export_ts</a:t>
             </a:r>
-            <a:endParaRPr lang="en-US" sz="1200" dirty="0">
-              <a:solidFill>
-                <a:schemeClr val="tx1"/>
-              </a:solidFill>
-            </a:endParaRPr>
-          </a:p>
-        </p:txBody>
-      </p:sp>
-      <p:sp>
-        <p:nvSpPr>
-          <p:cNvPr id="19" name="Rectangle: Rounded Corners 18">
-            <a:extLst>
-              <a:ext uri="{FF2B5EF4-FFF2-40B4-BE49-F238E27FC236}">
-                <a16:creationId xmlns:a16="http://schemas.microsoft.com/office/drawing/2014/main" id="{095A6052-B8E6-4441-84BA-9AF2462D04EF}"/>
-              </a:ext>
-            </a:extLst>
-          </p:cNvPr>
-          <p:cNvSpPr/>
-          <p:nvPr/>
-        </p:nvSpPr>
-        <p:spPr>
-          <a:xfrm>
-            <a:off x="321174" y="2341387"/>
-            <a:ext cx="1600200" cy="182880"/>
-          </a:xfrm>
-          <a:prstGeom prst="roundRect">
-            <a:avLst/>
-          </a:prstGeom>
-          <a:solidFill>
-            <a:schemeClr val="bg1">
-              <a:lumMod val="95000"/>
-            </a:schemeClr>
-          </a:solidFill>
-          <a:ln>
-            <a:solidFill>
-              <a:schemeClr val="tx1"/>
-            </a:solidFill>
-          </a:ln>
-        </p:spPr>
-        <p:style>
-          <a:lnRef idx="2">
-            <a:schemeClr val="accent1">
-              <a:shade val="50000"/>
-            </a:schemeClr>
-          </a:lnRef>
-          <a:fillRef idx="1">
-            <a:schemeClr val="accent1"/>
-          </a:fillRef>
-          <a:effectRef idx="0">
-            <a:schemeClr val="accent1"/>
-          </a:effectRef>
-          <a:fontRef idx="minor">
-            <a:schemeClr val="lt1"/>
-          </a:fontRef>
-        </p:style>
-        <p:txBody>
-          <a:bodyPr rtlCol="0" anchor="ctr"/>
-          <a:lstStyle/>
-          <a:p>
-            <a:pPr algn="ctr"/>
-            <a:r>
-              <a:rPr lang="en-US" sz="1200" dirty="0" err="1">
-                <a:solidFill>
-                  <a:schemeClr val="tx1"/>
-                </a:solidFill>
-              </a:rPr>
-              <a:t>lsat_format_data</a:t>
-            </a:r>
-            <a:endParaRPr lang="en-US" sz="1200" dirty="0">
+            <a:endParaRPr lang="en-US" sz="1200" b="1" dirty="0">
               <a:solidFill>
                 <a:schemeClr val="tx1"/>
               </a:solidFill>
@@ -3497,74 +3361,6 @@
           </a:fontRef>
         </p:style>
       </p:cxnSp>
-      <p:sp>
-        <p:nvSpPr>
-          <p:cNvPr id="23" name="Rectangle: Rounded Corners 22">
-            <a:extLst>
-              <a:ext uri="{FF2B5EF4-FFF2-40B4-BE49-F238E27FC236}">
-                <a16:creationId xmlns:a16="http://schemas.microsoft.com/office/drawing/2014/main" id="{E70AEE51-A3D1-414D-B988-97D98A108D64}"/>
-              </a:ext>
-            </a:extLst>
-          </p:cNvPr>
-          <p:cNvSpPr/>
-          <p:nvPr/>
-        </p:nvSpPr>
-        <p:spPr>
-          <a:xfrm>
-            <a:off x="321174" y="2679842"/>
-            <a:ext cx="1600200" cy="182880"/>
-          </a:xfrm>
-          <a:prstGeom prst="roundRect">
-            <a:avLst/>
-          </a:prstGeom>
-          <a:solidFill>
-            <a:schemeClr val="bg1">
-              <a:lumMod val="95000"/>
-            </a:schemeClr>
-          </a:solidFill>
-          <a:ln>
-            <a:solidFill>
-              <a:schemeClr val="tx1"/>
-            </a:solidFill>
-          </a:ln>
-        </p:spPr>
-        <p:style>
-          <a:lnRef idx="2">
-            <a:schemeClr val="accent1">
-              <a:shade val="50000"/>
-            </a:schemeClr>
-          </a:lnRef>
-          <a:fillRef idx="1">
-            <a:schemeClr val="accent1"/>
-          </a:fillRef>
-          <a:effectRef idx="0">
-            <a:schemeClr val="accent1"/>
-          </a:effectRef>
-          <a:fontRef idx="minor">
-            <a:schemeClr val="lt1"/>
-          </a:fontRef>
-        </p:style>
-        <p:txBody>
-          <a:bodyPr rtlCol="0" anchor="ctr"/>
-          <a:lstStyle/>
-          <a:p>
-            <a:pPr algn="ctr"/>
-            <a:r>
-              <a:rPr lang="en-US" sz="1200" dirty="0" err="1">
-                <a:solidFill>
-                  <a:schemeClr val="tx1"/>
-                </a:solidFill>
-              </a:rPr>
-              <a:t>lsat_clean_data</a:t>
-            </a:r>
-            <a:endParaRPr lang="en-US" sz="1200" dirty="0">
-              <a:solidFill>
-                <a:schemeClr val="tx1"/>
-              </a:solidFill>
-            </a:endParaRPr>
-          </a:p>
-        </p:txBody>
-      </p:sp>
       <p:cxnSp>
         <p:nvCxnSpPr>
           <p:cNvPr id="24" name="Straight Arrow Connector 23">
@@ -3647,74 +3443,6 @@
           </a:fontRef>
         </p:style>
       </p:cxnSp>
-      <p:sp>
-        <p:nvSpPr>
-          <p:cNvPr id="33" name="Rectangle: Rounded Corners 32">
-            <a:extLst>
-              <a:ext uri="{FF2B5EF4-FFF2-40B4-BE49-F238E27FC236}">
-                <a16:creationId xmlns:a16="http://schemas.microsoft.com/office/drawing/2014/main" id="{DD3DD936-8F3A-4ED1-A72F-879D8A87670B}"/>
-              </a:ext>
-            </a:extLst>
-          </p:cNvPr>
-          <p:cNvSpPr/>
-          <p:nvPr/>
-        </p:nvSpPr>
-        <p:spPr>
-          <a:xfrm>
-            <a:off x="1549424" y="3163077"/>
-            <a:ext cx="1836420" cy="182880"/>
-          </a:xfrm>
-          <a:prstGeom prst="roundRect">
-            <a:avLst/>
-          </a:prstGeom>
-          <a:solidFill>
-            <a:schemeClr val="bg1">
-              <a:lumMod val="95000"/>
-            </a:schemeClr>
-          </a:solidFill>
-          <a:ln>
-            <a:solidFill>
-              <a:schemeClr val="tx1"/>
-            </a:solidFill>
-          </a:ln>
-        </p:spPr>
-        <p:style>
-          <a:lnRef idx="2">
-            <a:schemeClr val="accent1">
-              <a:shade val="50000"/>
-            </a:schemeClr>
-          </a:lnRef>
-          <a:fillRef idx="1">
-            <a:schemeClr val="accent1"/>
-          </a:fillRef>
-          <a:effectRef idx="0">
-            <a:schemeClr val="accent1"/>
-          </a:effectRef>
-          <a:fontRef idx="minor">
-            <a:schemeClr val="lt1"/>
-          </a:fontRef>
-        </p:style>
-        <p:txBody>
-          <a:bodyPr rtlCol="0" anchor="ctr"/>
-          <a:lstStyle/>
-          <a:p>
-            <a:pPr algn="ctr"/>
-            <a:r>
-              <a:rPr lang="en-US" sz="1200" dirty="0" err="1">
-                <a:solidFill>
-                  <a:schemeClr val="tx1"/>
-                </a:solidFill>
-              </a:rPr>
-              <a:t>lsat_summarize_data</a:t>
-            </a:r>
-            <a:endParaRPr lang="en-US" sz="1200" dirty="0">
-              <a:solidFill>
-                <a:schemeClr val="tx1"/>
-              </a:solidFill>
-            </a:endParaRPr>
-          </a:p>
-        </p:txBody>
-      </p:sp>
       <p:cxnSp>
         <p:nvCxnSpPr>
           <p:cNvPr id="49" name="Straight Arrow Connector 48">
@@ -3758,346 +3486,6 @@
       </p:cxnSp>
       <p:sp>
         <p:nvSpPr>
-          <p:cNvPr id="55" name="Rectangle: Rounded Corners 54">
-            <a:extLst>
-              <a:ext uri="{FF2B5EF4-FFF2-40B4-BE49-F238E27FC236}">
-                <a16:creationId xmlns:a16="http://schemas.microsoft.com/office/drawing/2014/main" id="{BD309F3D-7C94-42B5-8DD0-6AD5330A3AB5}"/>
-              </a:ext>
-            </a:extLst>
-          </p:cNvPr>
-          <p:cNvSpPr/>
-          <p:nvPr/>
-        </p:nvSpPr>
-        <p:spPr>
-          <a:xfrm>
-            <a:off x="1485751" y="5274251"/>
-            <a:ext cx="2009775" cy="182880"/>
-          </a:xfrm>
-          <a:prstGeom prst="roundRect">
-            <a:avLst/>
-          </a:prstGeom>
-          <a:solidFill>
-            <a:schemeClr val="bg1">
-              <a:lumMod val="95000"/>
-            </a:schemeClr>
-          </a:solidFill>
-          <a:ln>
-            <a:solidFill>
-              <a:schemeClr val="tx1"/>
-            </a:solidFill>
-          </a:ln>
-        </p:spPr>
-        <p:style>
-          <a:lnRef idx="2">
-            <a:schemeClr val="accent1">
-              <a:shade val="50000"/>
-            </a:schemeClr>
-          </a:lnRef>
-          <a:fillRef idx="1">
-            <a:schemeClr val="accent1"/>
-          </a:fillRef>
-          <a:effectRef idx="0">
-            <a:schemeClr val="accent1"/>
-          </a:effectRef>
-          <a:fontRef idx="minor">
-            <a:schemeClr val="lt1"/>
-          </a:fontRef>
-        </p:style>
-        <p:txBody>
-          <a:bodyPr rtlCol="0" anchor="ctr"/>
-          <a:lstStyle/>
-          <a:p>
-            <a:pPr algn="ctr"/>
-            <a:r>
-              <a:rPr lang="en-US" sz="1200" dirty="0" err="1">
-                <a:solidFill>
-                  <a:schemeClr val="tx1"/>
-                </a:solidFill>
-              </a:rPr>
-              <a:t>lsat_fit_phenological_curves</a:t>
-            </a:r>
-            <a:endParaRPr lang="en-US" sz="1200" dirty="0">
-              <a:solidFill>
-                <a:schemeClr val="tx1"/>
-              </a:solidFill>
-            </a:endParaRPr>
-          </a:p>
-        </p:txBody>
-      </p:sp>
-      <p:sp>
-        <p:nvSpPr>
-          <p:cNvPr id="56" name="Rectangle: Rounded Corners 55">
-            <a:extLst>
-              <a:ext uri="{FF2B5EF4-FFF2-40B4-BE49-F238E27FC236}">
-                <a16:creationId xmlns:a16="http://schemas.microsoft.com/office/drawing/2014/main" id="{63FEB090-D6A7-407A-9ECA-95083F358875}"/>
-              </a:ext>
-            </a:extLst>
-          </p:cNvPr>
-          <p:cNvSpPr/>
-          <p:nvPr/>
-        </p:nvSpPr>
-        <p:spPr>
-          <a:xfrm>
-            <a:off x="1339542" y="5597664"/>
-            <a:ext cx="2302192" cy="182880"/>
-          </a:xfrm>
-          <a:prstGeom prst="roundRect">
-            <a:avLst/>
-          </a:prstGeom>
-          <a:solidFill>
-            <a:schemeClr val="bg1">
-              <a:lumMod val="95000"/>
-            </a:schemeClr>
-          </a:solidFill>
-          <a:ln>
-            <a:solidFill>
-              <a:schemeClr val="tx1"/>
-            </a:solidFill>
-          </a:ln>
-        </p:spPr>
-        <p:style>
-          <a:lnRef idx="2">
-            <a:schemeClr val="accent1">
-              <a:shade val="50000"/>
-            </a:schemeClr>
-          </a:lnRef>
-          <a:fillRef idx="1">
-            <a:schemeClr val="accent1"/>
-          </a:fillRef>
-          <a:effectRef idx="0">
-            <a:schemeClr val="accent1"/>
-          </a:effectRef>
-          <a:fontRef idx="minor">
-            <a:schemeClr val="lt1"/>
-          </a:fontRef>
-        </p:style>
-        <p:txBody>
-          <a:bodyPr rtlCol="0" anchor="ctr"/>
-          <a:lstStyle/>
-          <a:p>
-            <a:pPr algn="ctr"/>
-            <a:r>
-              <a:rPr lang="en-US" sz="1200" dirty="0" err="1">
-                <a:solidFill>
-                  <a:schemeClr val="tx1"/>
-                </a:solidFill>
-              </a:rPr>
-              <a:t>lsat_summarize_growing_season</a:t>
-            </a:r>
-            <a:endParaRPr lang="en-US" sz="1200" dirty="0">
-              <a:solidFill>
-                <a:schemeClr val="tx1"/>
-              </a:solidFill>
-            </a:endParaRPr>
-          </a:p>
-        </p:txBody>
-      </p:sp>
-      <p:sp>
-        <p:nvSpPr>
-          <p:cNvPr id="57" name="Rectangle: Rounded Corners 56">
-            <a:extLst>
-              <a:ext uri="{FF2B5EF4-FFF2-40B4-BE49-F238E27FC236}">
-                <a16:creationId xmlns:a16="http://schemas.microsoft.com/office/drawing/2014/main" id="{216D7B21-CCFB-4AF4-BAB0-1FD98FFCDBA8}"/>
-              </a:ext>
-            </a:extLst>
-          </p:cNvPr>
-          <p:cNvSpPr/>
-          <p:nvPr/>
-        </p:nvSpPr>
-        <p:spPr>
-          <a:xfrm>
-            <a:off x="1872942" y="5940918"/>
-            <a:ext cx="2394586" cy="182880"/>
-          </a:xfrm>
-          <a:prstGeom prst="roundRect">
-            <a:avLst/>
-          </a:prstGeom>
-          <a:solidFill>
-            <a:schemeClr val="bg1">
-              <a:lumMod val="95000"/>
-            </a:schemeClr>
-          </a:solidFill>
-          <a:ln>
-            <a:solidFill>
-              <a:schemeClr val="tx1"/>
-            </a:solidFill>
-          </a:ln>
-        </p:spPr>
-        <p:style>
-          <a:lnRef idx="2">
-            <a:schemeClr val="accent1">
-              <a:shade val="50000"/>
-            </a:schemeClr>
-          </a:lnRef>
-          <a:fillRef idx="1">
-            <a:schemeClr val="accent1"/>
-          </a:fillRef>
-          <a:effectRef idx="0">
-            <a:schemeClr val="accent1"/>
-          </a:effectRef>
-          <a:fontRef idx="minor">
-            <a:schemeClr val="lt1"/>
-          </a:fontRef>
-        </p:style>
-        <p:txBody>
-          <a:bodyPr rtlCol="0" anchor="ctr"/>
-          <a:lstStyle/>
-          <a:p>
-            <a:pPr algn="ctr"/>
-            <a:r>
-              <a:rPr lang="en-US" sz="1200" dirty="0" err="1">
-                <a:solidFill>
-                  <a:schemeClr val="tx1"/>
-                </a:solidFill>
-              </a:rPr>
-              <a:t>lsat_evaluate_phenological_max</a:t>
-            </a:r>
-            <a:endParaRPr lang="en-US" sz="1200" dirty="0">
-              <a:solidFill>
-                <a:schemeClr val="tx1"/>
-              </a:solidFill>
-            </a:endParaRPr>
-          </a:p>
-        </p:txBody>
-      </p:sp>
-      <p:sp>
-        <p:nvSpPr>
-          <p:cNvPr id="58" name="Rectangle: Rounded Corners 57">
-            <a:extLst>
-              <a:ext uri="{FF2B5EF4-FFF2-40B4-BE49-F238E27FC236}">
-                <a16:creationId xmlns:a16="http://schemas.microsoft.com/office/drawing/2014/main" id="{8248FA13-00D7-496A-8808-465F2BC9FD7C}"/>
-              </a:ext>
-            </a:extLst>
-          </p:cNvPr>
-          <p:cNvSpPr/>
-          <p:nvPr/>
-        </p:nvSpPr>
-        <p:spPr>
-          <a:xfrm>
-            <a:off x="1368516" y="6523608"/>
-            <a:ext cx="1600200" cy="182880"/>
-          </a:xfrm>
-          <a:prstGeom prst="roundRect">
-            <a:avLst/>
-          </a:prstGeom>
-          <a:solidFill>
-            <a:schemeClr val="bg1">
-              <a:lumMod val="95000"/>
-            </a:schemeClr>
-          </a:solidFill>
-          <a:ln>
-            <a:solidFill>
-              <a:schemeClr val="tx1"/>
-            </a:solidFill>
-          </a:ln>
-        </p:spPr>
-        <p:style>
-          <a:lnRef idx="2">
-            <a:schemeClr val="accent1">
-              <a:shade val="50000"/>
-            </a:schemeClr>
-          </a:lnRef>
-          <a:fillRef idx="1">
-            <a:schemeClr val="accent1"/>
-          </a:fillRef>
-          <a:effectRef idx="0">
-            <a:schemeClr val="accent1"/>
-          </a:effectRef>
-          <a:fontRef idx="minor">
-            <a:schemeClr val="lt1"/>
-          </a:fontRef>
-        </p:style>
-        <p:txBody>
-          <a:bodyPr rtlCol="0" anchor="ctr"/>
-          <a:lstStyle/>
-          <a:p>
-            <a:pPr algn="ctr"/>
-            <a:r>
-              <a:rPr lang="en-US" sz="1200" dirty="0" err="1">
-                <a:solidFill>
-                  <a:schemeClr val="tx1"/>
-                </a:solidFill>
-              </a:rPr>
-              <a:t>lsat_calc_trend</a:t>
-            </a:r>
-            <a:endParaRPr lang="en-US" sz="1200" dirty="0">
-              <a:solidFill>
-                <a:schemeClr val="tx1"/>
-              </a:solidFill>
-            </a:endParaRPr>
-          </a:p>
-        </p:txBody>
-      </p:sp>
-      <p:sp>
-        <p:nvSpPr>
-          <p:cNvPr id="59" name="Rectangle: Rounded Corners 58">
-            <a:extLst>
-              <a:ext uri="{FF2B5EF4-FFF2-40B4-BE49-F238E27FC236}">
-                <a16:creationId xmlns:a16="http://schemas.microsoft.com/office/drawing/2014/main" id="{0AEF80FF-3308-485C-8A89-E57EFFB5CE46}"/>
-              </a:ext>
-            </a:extLst>
-          </p:cNvPr>
-          <p:cNvSpPr/>
-          <p:nvPr/>
-        </p:nvSpPr>
-        <p:spPr>
-          <a:xfrm>
-            <a:off x="1549423" y="4281628"/>
-            <a:ext cx="1836419" cy="182880"/>
-          </a:xfrm>
-          <a:prstGeom prst="roundRect">
-            <a:avLst/>
-          </a:prstGeom>
-          <a:solidFill>
-            <a:schemeClr val="bg1">
-              <a:lumMod val="95000"/>
-            </a:schemeClr>
-          </a:solidFill>
-          <a:ln>
-            <a:solidFill>
-              <a:schemeClr val="tx1"/>
-            </a:solidFill>
-          </a:ln>
-        </p:spPr>
-        <p:style>
-          <a:lnRef idx="2">
-            <a:schemeClr val="accent1">
-              <a:shade val="50000"/>
-            </a:schemeClr>
-          </a:lnRef>
-          <a:fillRef idx="1">
-            <a:schemeClr val="accent1"/>
-          </a:fillRef>
-          <a:effectRef idx="0">
-            <a:schemeClr val="accent1"/>
-          </a:effectRef>
-          <a:fontRef idx="minor">
-            <a:schemeClr val="lt1"/>
-          </a:fontRef>
-        </p:style>
-        <p:txBody>
-          <a:bodyPr rtlCol="0" anchor="ctr"/>
-          <a:lstStyle/>
-          <a:p>
-            <a:pPr algn="ctr"/>
-            <a:r>
-              <a:rPr lang="en-US" sz="1200" dirty="0" err="1">
-                <a:solidFill>
-                  <a:schemeClr val="tx1"/>
-                </a:solidFill>
-              </a:rPr>
-              <a:t>lsat_calc_spectral_index</a:t>
-            </a:r>
-            <a:endParaRPr lang="en-US" sz="1200" dirty="0">
-              <a:solidFill>
-                <a:schemeClr val="tx1"/>
-              </a:solidFill>
-            </a:endParaRPr>
-          </a:p>
-        </p:txBody>
-      </p:sp>
-      <p:sp>
-        <p:nvSpPr>
           <p:cNvPr id="60" name="TextBox 59">
             <a:extLst>
               <a:ext uri="{FF2B5EF4-FFF2-40B4-BE49-F238E27FC236}">
@@ -4182,8 +3570,8 @@
         </p:nvSpPr>
         <p:spPr>
           <a:xfrm>
-            <a:off x="3077149" y="141871"/>
-            <a:ext cx="1343829" cy="307777"/>
+            <a:off x="2917129" y="141871"/>
+            <a:ext cx="1492332" cy="338554"/>
           </a:xfrm>
           <a:prstGeom prst="rect">
             <a:avLst/>
@@ -4197,7 +3585,7 @@
           <a:lstStyle/>
           <a:p>
             <a:r>
-              <a:rPr lang="en-US" sz="1400" b="1" dirty="0">
+              <a:rPr lang="en-US" sz="1600" b="1" dirty="0">
                 <a:solidFill>
                   <a:schemeClr val="accent1">
                     <a:lumMod val="50000"/>
@@ -4223,8 +3611,8 @@
         </p:nvSpPr>
         <p:spPr>
           <a:xfrm>
-            <a:off x="3068107" y="2235223"/>
-            <a:ext cx="1352871" cy="307777"/>
+            <a:off x="2877607" y="2235223"/>
+            <a:ext cx="1532792" cy="338554"/>
           </a:xfrm>
           <a:prstGeom prst="rect">
             <a:avLst/>
@@ -4238,7 +3626,7 @@
           <a:lstStyle/>
           <a:p>
             <a:r>
-              <a:rPr lang="en-US" sz="1400" b="1" dirty="0">
+              <a:rPr lang="en-US" sz="1600" b="1" dirty="0">
                 <a:solidFill>
                   <a:schemeClr val="accent2">
                     <a:lumMod val="50000"/>
@@ -4250,77 +3638,53 @@
           </a:p>
         </p:txBody>
       </p:sp>
-      <p:sp>
-        <p:nvSpPr>
-          <p:cNvPr id="70" name="Rectangle: Rounded Corners 69">
+      <p:cxnSp>
+        <p:nvCxnSpPr>
+          <p:cNvPr id="45" name="Straight Arrow Connector 44">
             <a:extLst>
               <a:ext uri="{FF2B5EF4-FFF2-40B4-BE49-F238E27FC236}">
-                <a16:creationId xmlns:a16="http://schemas.microsoft.com/office/drawing/2014/main" id="{399C1309-FDD0-4373-8066-E8EAC52E7788}"/>
+                <a16:creationId xmlns:a16="http://schemas.microsoft.com/office/drawing/2014/main" id="{03C2D69D-2D48-4D10-B552-6052A5C37CE5}"/>
               </a:ext>
             </a:extLst>
           </p:cNvPr>
-          <p:cNvSpPr/>
+          <p:cNvCxnSpPr>
+            <a:cxnSpLocks/>
+            <a:stCxn id="58" idx="2"/>
+          </p:cNvCxnSpPr>
           <p:nvPr/>
-        </p:nvSpPr>
-        <p:spPr>
-          <a:xfrm>
-            <a:off x="191081" y="4789175"/>
-            <a:ext cx="1851497" cy="182880"/>
-          </a:xfrm>
-          <a:prstGeom prst="roundRect">
+        </p:nvCxnSpPr>
+        <p:spPr>
+          <a:xfrm>
+            <a:off x="2168616" y="6706488"/>
+            <a:ext cx="0" cy="646770"/>
+          </a:xfrm>
+          <a:prstGeom prst="straightConnector1">
             <a:avLst/>
           </a:prstGeom>
-          <a:solidFill>
-            <a:schemeClr val="bg1">
-              <a:lumMod val="95000"/>
-            </a:schemeClr>
-          </a:solidFill>
-          <a:ln>
+          <a:ln w="12700">
             <a:solidFill>
-              <a:schemeClr val="tx1"/>
+              <a:schemeClr val="bg2">
+                <a:lumMod val="50000"/>
+              </a:schemeClr>
             </a:solidFill>
+            <a:tailEnd type="triangle"/>
           </a:ln>
         </p:spPr>
         <p:style>
-          <a:lnRef idx="2">
-            <a:schemeClr val="accent1">
-              <a:shade val="50000"/>
-            </a:schemeClr>
+          <a:lnRef idx="1">
+            <a:schemeClr val="dk1"/>
           </a:lnRef>
-          <a:fillRef idx="1">
-            <a:schemeClr val="accent1"/>
+          <a:fillRef idx="0">
+            <a:schemeClr val="dk1"/>
           </a:fillRef>
           <a:effectRef idx="0">
-            <a:schemeClr val="accent1"/>
+            <a:schemeClr val="dk1"/>
           </a:effectRef>
           <a:fontRef idx="minor">
-            <a:schemeClr val="lt1"/>
+            <a:schemeClr val="tx1"/>
           </a:fontRef>
         </p:style>
-        <p:txBody>
-          <a:bodyPr rtlCol="0" anchor="ctr"/>
-          <a:lstStyle/>
-          <a:p>
-            <a:pPr algn="ctr"/>
-            <a:r>
-              <a:rPr lang="en-US" sz="1200" dirty="0" err="1">
-                <a:solidFill>
-                  <a:schemeClr val="tx1"/>
-                </a:solidFill>
-              </a:rPr>
-              <a:t>lsat_calibrate</a:t>
-            </a:r>
-            <a:r>
-              <a:rPr lang="en-US" sz="1200" dirty="0">
-                <a:solidFill>
-                  <a:schemeClr val="tx1"/>
-                </a:solidFill>
-              </a:rPr>
-              <a:t>_...</a:t>
-            </a:r>
-          </a:p>
-        </p:txBody>
-      </p:sp>
+      </p:cxnSp>
       <p:cxnSp>
         <p:nvCxnSpPr>
           <p:cNvPr id="91" name="Straight Arrow Connector 90">
@@ -4337,8 +3701,8 @@
         </p:nvCxnSpPr>
         <p:spPr>
           <a:xfrm flipH="1">
-            <a:off x="1107772" y="4972055"/>
-            <a:ext cx="11281" cy="1971636"/>
+            <a:off x="1105636" y="4972055"/>
+            <a:ext cx="13417" cy="2345004"/>
           </a:xfrm>
           <a:prstGeom prst="straightConnector1">
             <a:avLst/>
@@ -4379,9 +3743,9 @@
           <p:nvPr/>
         </p:nvCxnSpPr>
         <p:spPr>
-          <a:xfrm flipH="1">
-            <a:off x="2490638" y="5457131"/>
-            <a:ext cx="1" cy="140533"/>
+          <a:xfrm>
+            <a:off x="2490639" y="5457131"/>
+            <a:ext cx="473" cy="180830"/>
           </a:xfrm>
           <a:prstGeom prst="straightConnector1">
             <a:avLst/>
@@ -4410,51 +3774,6 @@
           </a:fontRef>
         </p:style>
       </p:cxnSp>
-      <p:cxnSp>
-        <p:nvCxnSpPr>
-          <p:cNvPr id="45" name="Straight Arrow Connector 44">
-            <a:extLst>
-              <a:ext uri="{FF2B5EF4-FFF2-40B4-BE49-F238E27FC236}">
-                <a16:creationId xmlns:a16="http://schemas.microsoft.com/office/drawing/2014/main" id="{03C2D69D-2D48-4D10-B552-6052A5C37CE5}"/>
-              </a:ext>
-            </a:extLst>
-          </p:cNvPr>
-          <p:cNvCxnSpPr>
-            <a:cxnSpLocks/>
-            <a:stCxn id="58" idx="2"/>
-          </p:cNvCxnSpPr>
-          <p:nvPr/>
-        </p:nvCxnSpPr>
-        <p:spPr>
-          <a:xfrm flipH="1">
-            <a:off x="2168615" y="6706488"/>
-            <a:ext cx="1" cy="237203"/>
-          </a:xfrm>
-          <a:prstGeom prst="straightConnector1">
-            <a:avLst/>
-          </a:prstGeom>
-          <a:ln w="12700">
-            <a:solidFill>
-              <a:schemeClr val="tx1"/>
-            </a:solidFill>
-            <a:tailEnd type="triangle"/>
-          </a:ln>
-        </p:spPr>
-        <p:style>
-          <a:lnRef idx="1">
-            <a:schemeClr val="dk1"/>
-          </a:lnRef>
-          <a:fillRef idx="0">
-            <a:schemeClr val="dk1"/>
-          </a:fillRef>
-          <a:effectRef idx="0">
-            <a:schemeClr val="dk1"/>
-          </a:effectRef>
-          <a:fontRef idx="minor">
-            <a:schemeClr val="tx1"/>
-          </a:fontRef>
-        </p:style>
-      </p:cxnSp>
       <p:sp>
         <p:nvSpPr>
           <p:cNvPr id="54" name="TextBox 53">
@@ -4469,7 +3788,7 @@
         </p:nvSpPr>
         <p:spPr>
           <a:xfrm>
-            <a:off x="939179" y="6802332"/>
+            <a:off x="939179" y="7183345"/>
             <a:ext cx="352666" cy="369332"/>
           </a:xfrm>
           <a:prstGeom prst="rect">
@@ -4566,74 +3885,6 @@
           </a:p>
         </p:txBody>
       </p:sp>
-      <p:sp>
-        <p:nvSpPr>
-          <p:cNvPr id="20" name="Rectangle: Rounded Corners 19">
-            <a:extLst>
-              <a:ext uri="{FF2B5EF4-FFF2-40B4-BE49-F238E27FC236}">
-                <a16:creationId xmlns:a16="http://schemas.microsoft.com/office/drawing/2014/main" id="{7A152BE6-2CF0-D784-E370-39EC015C23C0}"/>
-              </a:ext>
-            </a:extLst>
-          </p:cNvPr>
-          <p:cNvSpPr/>
-          <p:nvPr/>
-        </p:nvSpPr>
-        <p:spPr>
-          <a:xfrm>
-            <a:off x="1549423" y="3625896"/>
-            <a:ext cx="1836419" cy="182880"/>
-          </a:xfrm>
-          <a:prstGeom prst="roundRect">
-            <a:avLst/>
-          </a:prstGeom>
-          <a:solidFill>
-            <a:schemeClr val="bg1">
-              <a:lumMod val="95000"/>
-            </a:schemeClr>
-          </a:solidFill>
-          <a:ln>
-            <a:solidFill>
-              <a:schemeClr val="tx1"/>
-            </a:solidFill>
-          </a:ln>
-        </p:spPr>
-        <p:style>
-          <a:lnRef idx="2">
-            <a:schemeClr val="accent1">
-              <a:shade val="50000"/>
-            </a:schemeClr>
-          </a:lnRef>
-          <a:fillRef idx="1">
-            <a:schemeClr val="accent1"/>
-          </a:fillRef>
-          <a:effectRef idx="0">
-            <a:schemeClr val="accent1"/>
-          </a:effectRef>
-          <a:fontRef idx="minor">
-            <a:schemeClr val="lt1"/>
-          </a:fontRef>
-        </p:style>
-        <p:txBody>
-          <a:bodyPr rtlCol="0" anchor="ctr"/>
-          <a:lstStyle/>
-          <a:p>
-            <a:pPr algn="ctr"/>
-            <a:r>
-              <a:rPr lang="en-US" sz="1200" dirty="0" err="1">
-                <a:solidFill>
-                  <a:schemeClr val="tx1"/>
-                </a:solidFill>
-              </a:rPr>
-              <a:t>lsat_neighborhood_mean</a:t>
-            </a:r>
-            <a:endParaRPr lang="en-US" sz="1200" dirty="0">
-              <a:solidFill>
-                <a:schemeClr val="tx1"/>
-              </a:solidFill>
-            </a:endParaRPr>
-          </a:p>
-        </p:txBody>
-      </p:sp>
       <p:cxnSp>
         <p:nvCxnSpPr>
           <p:cNvPr id="47" name="Straight Arrow Connector 46">
@@ -4650,7 +3901,7 @@
         </p:nvCxnSpPr>
         <p:spPr>
           <a:xfrm>
-            <a:off x="3062138" y="5780544"/>
+            <a:off x="3062138" y="5818644"/>
             <a:ext cx="0" cy="158467"/>
           </a:xfrm>
           <a:prstGeom prst="straightConnector1">
@@ -4696,8 +3947,8 @@
         </p:nvCxnSpPr>
         <p:spPr>
           <a:xfrm>
-            <a:off x="1762784" y="5780544"/>
-            <a:ext cx="0" cy="740169"/>
+            <a:off x="1762784" y="5819464"/>
+            <a:ext cx="0" cy="701249"/>
           </a:xfrm>
           <a:prstGeom prst="straightConnector1">
             <a:avLst/>
@@ -4740,7 +3991,7 @@
         </p:nvSpPr>
         <p:spPr>
           <a:xfrm>
-            <a:off x="2010520" y="6802332"/>
+            <a:off x="2010520" y="7183345"/>
             <a:ext cx="352666" cy="369332"/>
           </a:xfrm>
           <a:prstGeom prst="rect">
@@ -5133,6 +4384,1136 @@
           </a:fontRef>
         </p:style>
       </p:cxnSp>
+      <p:sp>
+        <p:nvSpPr>
+          <p:cNvPr id="28" name="Rectangle: Rounded Corners 27">
+            <a:extLst>
+              <a:ext uri="{FF2B5EF4-FFF2-40B4-BE49-F238E27FC236}">
+                <a16:creationId xmlns:a16="http://schemas.microsoft.com/office/drawing/2014/main" id="{CBFBCC0E-5694-364E-9F77-825887F7169A}"/>
+              </a:ext>
+            </a:extLst>
+          </p:cNvPr>
+          <p:cNvSpPr/>
+          <p:nvPr/>
+        </p:nvSpPr>
+        <p:spPr>
+          <a:xfrm>
+            <a:off x="2695426" y="1657652"/>
+            <a:ext cx="1600200" cy="182880"/>
+          </a:xfrm>
+          <a:prstGeom prst="roundRect">
+            <a:avLst/>
+          </a:prstGeom>
+          <a:solidFill>
+            <a:schemeClr val="bg1">
+              <a:lumMod val="95000"/>
+            </a:schemeClr>
+          </a:solidFill>
+          <a:ln>
+            <a:solidFill>
+              <a:schemeClr val="tx1"/>
+            </a:solidFill>
+          </a:ln>
+        </p:spPr>
+        <p:style>
+          <a:lnRef idx="2">
+            <a:schemeClr val="accent1">
+              <a:shade val="50000"/>
+            </a:schemeClr>
+          </a:lnRef>
+          <a:fillRef idx="1">
+            <a:schemeClr val="accent1"/>
+          </a:fillRef>
+          <a:effectRef idx="0">
+            <a:schemeClr val="accent1"/>
+          </a:effectRef>
+          <a:fontRef idx="minor">
+            <a:schemeClr val="lt1"/>
+          </a:fontRef>
+        </p:style>
+        <p:txBody>
+          <a:bodyPr rtlCol="0" anchor="ctr"/>
+          <a:lstStyle/>
+          <a:p>
+            <a:pPr algn="ctr"/>
+            <a:r>
+              <a:rPr lang="en-US" sz="1200" b="1" dirty="0">
+                <a:solidFill>
+                  <a:schemeClr val="tx1"/>
+                </a:solidFill>
+              </a:rPr>
+              <a:t>Primary functions</a:t>
+            </a:r>
+          </a:p>
+        </p:txBody>
+      </p:sp>
+      <p:sp>
+        <p:nvSpPr>
+          <p:cNvPr id="29" name="Rectangle: Rounded Corners 28">
+            <a:extLst>
+              <a:ext uri="{FF2B5EF4-FFF2-40B4-BE49-F238E27FC236}">
+                <a16:creationId xmlns:a16="http://schemas.microsoft.com/office/drawing/2014/main" id="{B31DC005-3F8A-39F3-0877-2EA9A36EA066}"/>
+              </a:ext>
+            </a:extLst>
+          </p:cNvPr>
+          <p:cNvSpPr/>
+          <p:nvPr/>
+        </p:nvSpPr>
+        <p:spPr>
+          <a:xfrm>
+            <a:off x="2695426" y="1915071"/>
+            <a:ext cx="1600200" cy="182880"/>
+          </a:xfrm>
+          <a:prstGeom prst="roundRect">
+            <a:avLst/>
+          </a:prstGeom>
+          <a:solidFill>
+            <a:schemeClr val="bg1">
+              <a:lumMod val="95000"/>
+            </a:schemeClr>
+          </a:solidFill>
+          <a:ln>
+            <a:solidFill>
+              <a:schemeClr val="bg2">
+                <a:lumMod val="75000"/>
+              </a:schemeClr>
+            </a:solidFill>
+          </a:ln>
+        </p:spPr>
+        <p:style>
+          <a:lnRef idx="2">
+            <a:schemeClr val="accent1">
+              <a:shade val="50000"/>
+            </a:schemeClr>
+          </a:lnRef>
+          <a:fillRef idx="1">
+            <a:schemeClr val="accent1"/>
+          </a:fillRef>
+          <a:effectRef idx="0">
+            <a:schemeClr val="accent1"/>
+          </a:effectRef>
+          <a:fontRef idx="minor">
+            <a:schemeClr val="lt1"/>
+          </a:fontRef>
+        </p:style>
+        <p:txBody>
+          <a:bodyPr rtlCol="0" anchor="ctr"/>
+          <a:lstStyle/>
+          <a:p>
+            <a:pPr algn="ctr"/>
+            <a:r>
+              <a:rPr lang="en-US" sz="1200" dirty="0">
+                <a:solidFill>
+                  <a:schemeClr val="tx1"/>
+                </a:solidFill>
+              </a:rPr>
+              <a:t>Optional functions</a:t>
+            </a:r>
+          </a:p>
+        </p:txBody>
+      </p:sp>
+      <p:cxnSp>
+        <p:nvCxnSpPr>
+          <p:cNvPr id="32" name="Straight Arrow Connector 31">
+            <a:extLst>
+              <a:ext uri="{FF2B5EF4-FFF2-40B4-BE49-F238E27FC236}">
+                <a16:creationId xmlns:a16="http://schemas.microsoft.com/office/drawing/2014/main" id="{1D074F74-16B5-0E70-06E7-2AEB2608B629}"/>
+              </a:ext>
+            </a:extLst>
+          </p:cNvPr>
+          <p:cNvCxnSpPr>
+            <a:cxnSpLocks/>
+            <a:stCxn id="30" idx="2"/>
+          </p:cNvCxnSpPr>
+          <p:nvPr/>
+        </p:nvCxnSpPr>
+        <p:spPr>
+          <a:xfrm>
+            <a:off x="3191150" y="7154958"/>
+            <a:ext cx="0" cy="230467"/>
+          </a:xfrm>
+          <a:prstGeom prst="straightConnector1">
+            <a:avLst/>
+          </a:prstGeom>
+          <a:ln w="12700">
+            <a:solidFill>
+              <a:schemeClr val="bg2">
+                <a:lumMod val="50000"/>
+              </a:schemeClr>
+            </a:solidFill>
+            <a:tailEnd type="triangle"/>
+          </a:ln>
+        </p:spPr>
+        <p:style>
+          <a:lnRef idx="1">
+            <a:schemeClr val="dk1"/>
+          </a:lnRef>
+          <a:fillRef idx="0">
+            <a:schemeClr val="dk1"/>
+          </a:fillRef>
+          <a:effectRef idx="0">
+            <a:schemeClr val="dk1"/>
+          </a:effectRef>
+          <a:fontRef idx="minor">
+            <a:schemeClr val="tx1"/>
+          </a:fontRef>
+        </p:style>
+      </p:cxnSp>
+      <p:cxnSp>
+        <p:nvCxnSpPr>
+          <p:cNvPr id="34" name="Straight Arrow Connector 33">
+            <a:extLst>
+              <a:ext uri="{FF2B5EF4-FFF2-40B4-BE49-F238E27FC236}">
+                <a16:creationId xmlns:a16="http://schemas.microsoft.com/office/drawing/2014/main" id="{1345108F-6878-537F-98C6-A9AA821D5F20}"/>
+              </a:ext>
+            </a:extLst>
+          </p:cNvPr>
+          <p:cNvCxnSpPr>
+            <a:cxnSpLocks/>
+          </p:cNvCxnSpPr>
+          <p:nvPr/>
+        </p:nvCxnSpPr>
+        <p:spPr>
+          <a:xfrm>
+            <a:off x="2793456" y="6706488"/>
+            <a:ext cx="0" cy="265590"/>
+          </a:xfrm>
+          <a:prstGeom prst="straightConnector1">
+            <a:avLst/>
+          </a:prstGeom>
+          <a:ln w="12700">
+            <a:solidFill>
+              <a:schemeClr val="bg2">
+                <a:lumMod val="50000"/>
+              </a:schemeClr>
+            </a:solidFill>
+            <a:tailEnd type="triangle"/>
+          </a:ln>
+        </p:spPr>
+        <p:style>
+          <a:lnRef idx="1">
+            <a:schemeClr val="dk1"/>
+          </a:lnRef>
+          <a:fillRef idx="0">
+            <a:schemeClr val="dk1"/>
+          </a:fillRef>
+          <a:effectRef idx="0">
+            <a:schemeClr val="dk1"/>
+          </a:effectRef>
+          <a:fontRef idx="minor">
+            <a:schemeClr val="tx1"/>
+          </a:fontRef>
+        </p:style>
+      </p:cxnSp>
+      <p:sp>
+        <p:nvSpPr>
+          <p:cNvPr id="35" name="TextBox 34">
+            <a:extLst>
+              <a:ext uri="{FF2B5EF4-FFF2-40B4-BE49-F238E27FC236}">
+                <a16:creationId xmlns:a16="http://schemas.microsoft.com/office/drawing/2014/main" id="{F4034091-107B-9228-AB83-06814E56B5E4}"/>
+              </a:ext>
+            </a:extLst>
+          </p:cNvPr>
+          <p:cNvSpPr txBox="1"/>
+          <p:nvPr/>
+        </p:nvSpPr>
+        <p:spPr>
+          <a:xfrm>
+            <a:off x="3038855" y="7183345"/>
+            <a:ext cx="352666" cy="369332"/>
+          </a:xfrm>
+          <a:prstGeom prst="rect">
+            <a:avLst/>
+          </a:prstGeom>
+          <a:noFill/>
+          <a:ln>
+            <a:noFill/>
+          </a:ln>
+        </p:spPr>
+        <p:txBody>
+          <a:bodyPr wrap="square">
+            <a:spAutoFit/>
+          </a:bodyPr>
+          <a:lstStyle/>
+          <a:p>
+            <a:r>
+              <a:rPr lang="en-US" sz="1800" i="1" dirty="0">
+                <a:solidFill>
+                  <a:schemeClr val="tx1"/>
+                </a:solidFill>
+              </a:rPr>
+              <a:t>…</a:t>
+            </a:r>
+            <a:endParaRPr lang="en-US" dirty="0"/>
+          </a:p>
+        </p:txBody>
+      </p:sp>
+      <p:sp>
+        <p:nvSpPr>
+          <p:cNvPr id="58" name="Rectangle: Rounded Corners 57">
+            <a:extLst>
+              <a:ext uri="{FF2B5EF4-FFF2-40B4-BE49-F238E27FC236}">
+                <a16:creationId xmlns:a16="http://schemas.microsoft.com/office/drawing/2014/main" id="{8248FA13-00D7-496A-8808-465F2BC9FD7C}"/>
+              </a:ext>
+            </a:extLst>
+          </p:cNvPr>
+          <p:cNvSpPr/>
+          <p:nvPr/>
+        </p:nvSpPr>
+        <p:spPr>
+          <a:xfrm>
+            <a:off x="1368516" y="6523608"/>
+            <a:ext cx="1600200" cy="182880"/>
+          </a:xfrm>
+          <a:prstGeom prst="roundRect">
+            <a:avLst/>
+          </a:prstGeom>
+          <a:solidFill>
+            <a:schemeClr val="bg1">
+              <a:lumMod val="95000"/>
+            </a:schemeClr>
+          </a:solidFill>
+          <a:ln>
+            <a:solidFill>
+              <a:schemeClr val="bg2">
+                <a:lumMod val="75000"/>
+              </a:schemeClr>
+            </a:solidFill>
+          </a:ln>
+        </p:spPr>
+        <p:style>
+          <a:lnRef idx="2">
+            <a:schemeClr val="accent1">
+              <a:shade val="50000"/>
+            </a:schemeClr>
+          </a:lnRef>
+          <a:fillRef idx="1">
+            <a:schemeClr val="accent1"/>
+          </a:fillRef>
+          <a:effectRef idx="0">
+            <a:schemeClr val="accent1"/>
+          </a:effectRef>
+          <a:fontRef idx="minor">
+            <a:schemeClr val="lt1"/>
+          </a:fontRef>
+        </p:style>
+        <p:txBody>
+          <a:bodyPr rtlCol="0" anchor="ctr"/>
+          <a:lstStyle/>
+          <a:p>
+            <a:pPr algn="ctr"/>
+            <a:r>
+              <a:rPr lang="en-US" sz="1200" dirty="0" err="1">
+                <a:solidFill>
+                  <a:schemeClr val="tx1"/>
+                </a:solidFill>
+              </a:rPr>
+              <a:t>lsat_calc_trend</a:t>
+            </a:r>
+            <a:endParaRPr lang="en-US" sz="1200" dirty="0">
+              <a:solidFill>
+                <a:schemeClr val="tx1"/>
+              </a:solidFill>
+            </a:endParaRPr>
+          </a:p>
+        </p:txBody>
+      </p:sp>
+      <p:sp>
+        <p:nvSpPr>
+          <p:cNvPr id="30" name="Rectangle: Rounded Corners 29">
+            <a:extLst>
+              <a:ext uri="{FF2B5EF4-FFF2-40B4-BE49-F238E27FC236}">
+                <a16:creationId xmlns:a16="http://schemas.microsoft.com/office/drawing/2014/main" id="{8C67234E-2595-B3E5-DB52-EDDE8B3E94DE}"/>
+              </a:ext>
+            </a:extLst>
+          </p:cNvPr>
+          <p:cNvSpPr/>
+          <p:nvPr/>
+        </p:nvSpPr>
+        <p:spPr>
+          <a:xfrm>
+            <a:off x="2391050" y="6972078"/>
+            <a:ext cx="1600200" cy="182880"/>
+          </a:xfrm>
+          <a:prstGeom prst="roundRect">
+            <a:avLst/>
+          </a:prstGeom>
+          <a:solidFill>
+            <a:schemeClr val="bg1">
+              <a:lumMod val="95000"/>
+            </a:schemeClr>
+          </a:solidFill>
+          <a:ln>
+            <a:solidFill>
+              <a:schemeClr val="bg2">
+                <a:lumMod val="75000"/>
+              </a:schemeClr>
+            </a:solidFill>
+          </a:ln>
+        </p:spPr>
+        <p:style>
+          <a:lnRef idx="2">
+            <a:schemeClr val="accent1">
+              <a:shade val="50000"/>
+            </a:schemeClr>
+          </a:lnRef>
+          <a:fillRef idx="1">
+            <a:schemeClr val="accent1"/>
+          </a:fillRef>
+          <a:effectRef idx="0">
+            <a:schemeClr val="accent1"/>
+          </a:effectRef>
+          <a:fontRef idx="minor">
+            <a:schemeClr val="lt1"/>
+          </a:fontRef>
+        </p:style>
+        <p:txBody>
+          <a:bodyPr rtlCol="0" anchor="ctr"/>
+          <a:lstStyle/>
+          <a:p>
+            <a:pPr algn="ctr"/>
+            <a:r>
+              <a:rPr lang="en-US" sz="1200" dirty="0" err="1">
+                <a:solidFill>
+                  <a:schemeClr val="tx1"/>
+                </a:solidFill>
+              </a:rPr>
+              <a:t>lsat_plot_trend_hist</a:t>
+            </a:r>
+            <a:endParaRPr lang="en-US" sz="1200" dirty="0">
+              <a:solidFill>
+                <a:schemeClr val="tx1"/>
+              </a:solidFill>
+            </a:endParaRPr>
+          </a:p>
+        </p:txBody>
+      </p:sp>
+      <p:sp>
+        <p:nvSpPr>
+          <p:cNvPr id="5" name="Rectangle: Rounded Corners 4">
+            <a:extLst>
+              <a:ext uri="{FF2B5EF4-FFF2-40B4-BE49-F238E27FC236}">
+                <a16:creationId xmlns:a16="http://schemas.microsoft.com/office/drawing/2014/main" id="{A0AA8BBF-ACC1-4495-A01B-5B33F3246BCD}"/>
+              </a:ext>
+            </a:extLst>
+          </p:cNvPr>
+          <p:cNvSpPr/>
+          <p:nvPr/>
+        </p:nvSpPr>
+        <p:spPr>
+          <a:xfrm>
+            <a:off x="1667534" y="821355"/>
+            <a:ext cx="1600200" cy="182880"/>
+          </a:xfrm>
+          <a:prstGeom prst="roundRect">
+            <a:avLst/>
+          </a:prstGeom>
+          <a:solidFill>
+            <a:schemeClr val="bg1">
+              <a:lumMod val="95000"/>
+            </a:schemeClr>
+          </a:solidFill>
+          <a:ln>
+            <a:solidFill>
+              <a:schemeClr val="bg2">
+                <a:lumMod val="75000"/>
+              </a:schemeClr>
+            </a:solidFill>
+          </a:ln>
+        </p:spPr>
+        <p:style>
+          <a:lnRef idx="2">
+            <a:schemeClr val="accent1">
+              <a:shade val="50000"/>
+            </a:schemeClr>
+          </a:lnRef>
+          <a:fillRef idx="1">
+            <a:schemeClr val="accent1"/>
+          </a:fillRef>
+          <a:effectRef idx="0">
+            <a:schemeClr val="accent1"/>
+          </a:effectRef>
+          <a:fontRef idx="minor">
+            <a:schemeClr val="lt1"/>
+          </a:fontRef>
+        </p:style>
+        <p:txBody>
+          <a:bodyPr rtlCol="0" anchor="ctr"/>
+          <a:lstStyle/>
+          <a:p>
+            <a:pPr algn="ctr"/>
+            <a:r>
+              <a:rPr lang="en-US" sz="1200" dirty="0" err="1">
+                <a:solidFill>
+                  <a:schemeClr val="tx1"/>
+                </a:solidFill>
+              </a:rPr>
+              <a:t>lsat_get_pixel_centers</a:t>
+            </a:r>
+            <a:endParaRPr lang="en-US" sz="1200" dirty="0">
+              <a:solidFill>
+                <a:schemeClr val="tx1"/>
+              </a:solidFill>
+            </a:endParaRPr>
+          </a:p>
+        </p:txBody>
+      </p:sp>
+      <p:sp>
+        <p:nvSpPr>
+          <p:cNvPr id="19" name="Rectangle: Rounded Corners 18">
+            <a:extLst>
+              <a:ext uri="{FF2B5EF4-FFF2-40B4-BE49-F238E27FC236}">
+                <a16:creationId xmlns:a16="http://schemas.microsoft.com/office/drawing/2014/main" id="{095A6052-B8E6-4441-84BA-9AF2462D04EF}"/>
+              </a:ext>
+            </a:extLst>
+          </p:cNvPr>
+          <p:cNvSpPr/>
+          <p:nvPr/>
+        </p:nvSpPr>
+        <p:spPr>
+          <a:xfrm>
+            <a:off x="321174" y="2341387"/>
+            <a:ext cx="1600200" cy="182880"/>
+          </a:xfrm>
+          <a:prstGeom prst="roundRect">
+            <a:avLst/>
+          </a:prstGeom>
+          <a:solidFill>
+            <a:schemeClr val="bg1">
+              <a:lumMod val="95000"/>
+            </a:schemeClr>
+          </a:solidFill>
+          <a:ln>
+            <a:solidFill>
+              <a:schemeClr val="tx1"/>
+            </a:solidFill>
+          </a:ln>
+        </p:spPr>
+        <p:style>
+          <a:lnRef idx="2">
+            <a:schemeClr val="accent1">
+              <a:shade val="50000"/>
+            </a:schemeClr>
+          </a:lnRef>
+          <a:fillRef idx="1">
+            <a:schemeClr val="accent1"/>
+          </a:fillRef>
+          <a:effectRef idx="0">
+            <a:schemeClr val="accent1"/>
+          </a:effectRef>
+          <a:fontRef idx="minor">
+            <a:schemeClr val="lt1"/>
+          </a:fontRef>
+        </p:style>
+        <p:txBody>
+          <a:bodyPr rtlCol="0" anchor="ctr"/>
+          <a:lstStyle/>
+          <a:p>
+            <a:pPr algn="ctr"/>
+            <a:r>
+              <a:rPr lang="en-US" sz="1200" b="1" dirty="0" err="1">
+                <a:solidFill>
+                  <a:schemeClr val="tx1"/>
+                </a:solidFill>
+              </a:rPr>
+              <a:t>lsat_format_data</a:t>
+            </a:r>
+            <a:endParaRPr lang="en-US" sz="1200" b="1" dirty="0">
+              <a:solidFill>
+                <a:schemeClr val="tx1"/>
+              </a:solidFill>
+            </a:endParaRPr>
+          </a:p>
+        </p:txBody>
+      </p:sp>
+      <p:sp>
+        <p:nvSpPr>
+          <p:cNvPr id="23" name="Rectangle: Rounded Corners 22">
+            <a:extLst>
+              <a:ext uri="{FF2B5EF4-FFF2-40B4-BE49-F238E27FC236}">
+                <a16:creationId xmlns:a16="http://schemas.microsoft.com/office/drawing/2014/main" id="{E70AEE51-A3D1-414D-B988-97D98A108D64}"/>
+              </a:ext>
+            </a:extLst>
+          </p:cNvPr>
+          <p:cNvSpPr/>
+          <p:nvPr/>
+        </p:nvSpPr>
+        <p:spPr>
+          <a:xfrm>
+            <a:off x="321174" y="2679842"/>
+            <a:ext cx="1600200" cy="182880"/>
+          </a:xfrm>
+          <a:prstGeom prst="roundRect">
+            <a:avLst/>
+          </a:prstGeom>
+          <a:solidFill>
+            <a:schemeClr val="bg1">
+              <a:lumMod val="95000"/>
+            </a:schemeClr>
+          </a:solidFill>
+          <a:ln>
+            <a:solidFill>
+              <a:schemeClr val="tx1"/>
+            </a:solidFill>
+          </a:ln>
+        </p:spPr>
+        <p:style>
+          <a:lnRef idx="2">
+            <a:schemeClr val="accent1">
+              <a:shade val="50000"/>
+            </a:schemeClr>
+          </a:lnRef>
+          <a:fillRef idx="1">
+            <a:schemeClr val="accent1"/>
+          </a:fillRef>
+          <a:effectRef idx="0">
+            <a:schemeClr val="accent1"/>
+          </a:effectRef>
+          <a:fontRef idx="minor">
+            <a:schemeClr val="lt1"/>
+          </a:fontRef>
+        </p:style>
+        <p:txBody>
+          <a:bodyPr rtlCol="0" anchor="ctr"/>
+          <a:lstStyle/>
+          <a:p>
+            <a:pPr algn="ctr"/>
+            <a:r>
+              <a:rPr lang="en-US" sz="1200" b="1" dirty="0" err="1">
+                <a:solidFill>
+                  <a:schemeClr val="tx1"/>
+                </a:solidFill>
+              </a:rPr>
+              <a:t>lsat_clean_data</a:t>
+            </a:r>
+            <a:endParaRPr lang="en-US" sz="1200" b="1" dirty="0">
+              <a:solidFill>
+                <a:schemeClr val="tx1"/>
+              </a:solidFill>
+            </a:endParaRPr>
+          </a:p>
+        </p:txBody>
+      </p:sp>
+      <p:sp>
+        <p:nvSpPr>
+          <p:cNvPr id="33" name="Rectangle: Rounded Corners 32">
+            <a:extLst>
+              <a:ext uri="{FF2B5EF4-FFF2-40B4-BE49-F238E27FC236}">
+                <a16:creationId xmlns:a16="http://schemas.microsoft.com/office/drawing/2014/main" id="{DD3DD936-8F3A-4ED1-A72F-879D8A87670B}"/>
+              </a:ext>
+            </a:extLst>
+          </p:cNvPr>
+          <p:cNvSpPr/>
+          <p:nvPr/>
+        </p:nvSpPr>
+        <p:spPr>
+          <a:xfrm>
+            <a:off x="1549424" y="3163077"/>
+            <a:ext cx="1836420" cy="182880"/>
+          </a:xfrm>
+          <a:prstGeom prst="roundRect">
+            <a:avLst/>
+          </a:prstGeom>
+          <a:solidFill>
+            <a:schemeClr val="bg1">
+              <a:lumMod val="95000"/>
+            </a:schemeClr>
+          </a:solidFill>
+          <a:ln>
+            <a:solidFill>
+              <a:schemeClr val="bg2">
+                <a:lumMod val="75000"/>
+              </a:schemeClr>
+            </a:solidFill>
+          </a:ln>
+        </p:spPr>
+        <p:style>
+          <a:lnRef idx="2">
+            <a:schemeClr val="accent1">
+              <a:shade val="50000"/>
+            </a:schemeClr>
+          </a:lnRef>
+          <a:fillRef idx="1">
+            <a:schemeClr val="accent1"/>
+          </a:fillRef>
+          <a:effectRef idx="0">
+            <a:schemeClr val="accent1"/>
+          </a:effectRef>
+          <a:fontRef idx="minor">
+            <a:schemeClr val="lt1"/>
+          </a:fontRef>
+        </p:style>
+        <p:txBody>
+          <a:bodyPr rtlCol="0" anchor="ctr"/>
+          <a:lstStyle/>
+          <a:p>
+            <a:pPr algn="ctr"/>
+            <a:r>
+              <a:rPr lang="en-US" sz="1200" dirty="0" err="1">
+                <a:solidFill>
+                  <a:schemeClr val="tx1"/>
+                </a:solidFill>
+              </a:rPr>
+              <a:t>lsat_summarize_data</a:t>
+            </a:r>
+            <a:endParaRPr lang="en-US" sz="1200" dirty="0">
+              <a:solidFill>
+                <a:schemeClr val="tx1"/>
+              </a:solidFill>
+            </a:endParaRPr>
+          </a:p>
+        </p:txBody>
+      </p:sp>
+      <p:sp>
+        <p:nvSpPr>
+          <p:cNvPr id="55" name="Rectangle: Rounded Corners 54">
+            <a:extLst>
+              <a:ext uri="{FF2B5EF4-FFF2-40B4-BE49-F238E27FC236}">
+                <a16:creationId xmlns:a16="http://schemas.microsoft.com/office/drawing/2014/main" id="{BD309F3D-7C94-42B5-8DD0-6AD5330A3AB5}"/>
+              </a:ext>
+            </a:extLst>
+          </p:cNvPr>
+          <p:cNvSpPr/>
+          <p:nvPr/>
+        </p:nvSpPr>
+        <p:spPr>
+          <a:xfrm>
+            <a:off x="1485751" y="5274251"/>
+            <a:ext cx="2009775" cy="182880"/>
+          </a:xfrm>
+          <a:prstGeom prst="roundRect">
+            <a:avLst/>
+          </a:prstGeom>
+          <a:solidFill>
+            <a:schemeClr val="bg1">
+              <a:lumMod val="95000"/>
+            </a:schemeClr>
+          </a:solidFill>
+          <a:ln>
+            <a:solidFill>
+              <a:schemeClr val="bg2">
+                <a:lumMod val="75000"/>
+              </a:schemeClr>
+            </a:solidFill>
+          </a:ln>
+        </p:spPr>
+        <p:style>
+          <a:lnRef idx="2">
+            <a:schemeClr val="accent1">
+              <a:shade val="50000"/>
+            </a:schemeClr>
+          </a:lnRef>
+          <a:fillRef idx="1">
+            <a:schemeClr val="accent1"/>
+          </a:fillRef>
+          <a:effectRef idx="0">
+            <a:schemeClr val="accent1"/>
+          </a:effectRef>
+          <a:fontRef idx="minor">
+            <a:schemeClr val="lt1"/>
+          </a:fontRef>
+        </p:style>
+        <p:txBody>
+          <a:bodyPr rtlCol="0" anchor="ctr"/>
+          <a:lstStyle/>
+          <a:p>
+            <a:pPr algn="ctr"/>
+            <a:r>
+              <a:rPr lang="en-US" sz="1200" dirty="0" err="1">
+                <a:solidFill>
+                  <a:schemeClr val="tx1"/>
+                </a:solidFill>
+              </a:rPr>
+              <a:t>lsat_fit_phenological_curves</a:t>
+            </a:r>
+            <a:endParaRPr lang="en-US" sz="1200" dirty="0">
+              <a:solidFill>
+                <a:schemeClr val="tx1"/>
+              </a:solidFill>
+            </a:endParaRPr>
+          </a:p>
+        </p:txBody>
+      </p:sp>
+      <p:sp>
+        <p:nvSpPr>
+          <p:cNvPr id="56" name="Rectangle: Rounded Corners 55">
+            <a:extLst>
+              <a:ext uri="{FF2B5EF4-FFF2-40B4-BE49-F238E27FC236}">
+                <a16:creationId xmlns:a16="http://schemas.microsoft.com/office/drawing/2014/main" id="{63FEB090-D6A7-407A-9ECA-95083F358875}"/>
+              </a:ext>
+            </a:extLst>
+          </p:cNvPr>
+          <p:cNvSpPr/>
+          <p:nvPr/>
+        </p:nvSpPr>
+        <p:spPr>
+          <a:xfrm>
+            <a:off x="1293821" y="5637961"/>
+            <a:ext cx="2394582" cy="181503"/>
+          </a:xfrm>
+          <a:prstGeom prst="roundRect">
+            <a:avLst/>
+          </a:prstGeom>
+          <a:solidFill>
+            <a:schemeClr val="bg1">
+              <a:lumMod val="95000"/>
+            </a:schemeClr>
+          </a:solidFill>
+          <a:ln>
+            <a:solidFill>
+              <a:schemeClr val="bg2">
+                <a:lumMod val="75000"/>
+              </a:schemeClr>
+            </a:solidFill>
+          </a:ln>
+        </p:spPr>
+        <p:style>
+          <a:lnRef idx="2">
+            <a:schemeClr val="accent1">
+              <a:shade val="50000"/>
+            </a:schemeClr>
+          </a:lnRef>
+          <a:fillRef idx="1">
+            <a:schemeClr val="accent1"/>
+          </a:fillRef>
+          <a:effectRef idx="0">
+            <a:schemeClr val="accent1"/>
+          </a:effectRef>
+          <a:fontRef idx="minor">
+            <a:schemeClr val="lt1"/>
+          </a:fontRef>
+        </p:style>
+        <p:txBody>
+          <a:bodyPr rtlCol="0" anchor="ctr"/>
+          <a:lstStyle/>
+          <a:p>
+            <a:pPr algn="ctr"/>
+            <a:r>
+              <a:rPr lang="en-US" sz="1200" dirty="0" err="1">
+                <a:solidFill>
+                  <a:schemeClr val="tx1"/>
+                </a:solidFill>
+              </a:rPr>
+              <a:t>lsat_summarize_growing_seasons</a:t>
+            </a:r>
+            <a:endParaRPr lang="en-US" sz="1200" dirty="0">
+              <a:solidFill>
+                <a:schemeClr val="tx1"/>
+              </a:solidFill>
+            </a:endParaRPr>
+          </a:p>
+        </p:txBody>
+      </p:sp>
+      <p:sp>
+        <p:nvSpPr>
+          <p:cNvPr id="57" name="Rectangle: Rounded Corners 56">
+            <a:extLst>
+              <a:ext uri="{FF2B5EF4-FFF2-40B4-BE49-F238E27FC236}">
+                <a16:creationId xmlns:a16="http://schemas.microsoft.com/office/drawing/2014/main" id="{216D7B21-CCFB-4AF4-BAB0-1FD98FFCDBA8}"/>
+              </a:ext>
+            </a:extLst>
+          </p:cNvPr>
+          <p:cNvSpPr/>
+          <p:nvPr/>
+        </p:nvSpPr>
+        <p:spPr>
+          <a:xfrm>
+            <a:off x="1872942" y="5979018"/>
+            <a:ext cx="2394586" cy="182880"/>
+          </a:xfrm>
+          <a:prstGeom prst="roundRect">
+            <a:avLst/>
+          </a:prstGeom>
+          <a:solidFill>
+            <a:schemeClr val="bg1">
+              <a:lumMod val="95000"/>
+            </a:schemeClr>
+          </a:solidFill>
+          <a:ln>
+            <a:solidFill>
+              <a:schemeClr val="bg2">
+                <a:lumMod val="75000"/>
+              </a:schemeClr>
+            </a:solidFill>
+          </a:ln>
+        </p:spPr>
+        <p:style>
+          <a:lnRef idx="2">
+            <a:schemeClr val="accent1">
+              <a:shade val="50000"/>
+            </a:schemeClr>
+          </a:lnRef>
+          <a:fillRef idx="1">
+            <a:schemeClr val="accent1"/>
+          </a:fillRef>
+          <a:effectRef idx="0">
+            <a:schemeClr val="accent1"/>
+          </a:effectRef>
+          <a:fontRef idx="minor">
+            <a:schemeClr val="lt1"/>
+          </a:fontRef>
+        </p:style>
+        <p:txBody>
+          <a:bodyPr rtlCol="0" anchor="ctr"/>
+          <a:lstStyle/>
+          <a:p>
+            <a:pPr algn="ctr"/>
+            <a:r>
+              <a:rPr lang="en-US" sz="1200" dirty="0" err="1">
+                <a:solidFill>
+                  <a:schemeClr val="tx1"/>
+                </a:solidFill>
+              </a:rPr>
+              <a:t>lsat_evaluate_phenological_max</a:t>
+            </a:r>
+            <a:endParaRPr lang="en-US" sz="1200" dirty="0">
+              <a:solidFill>
+                <a:schemeClr val="tx1"/>
+              </a:solidFill>
+            </a:endParaRPr>
+          </a:p>
+        </p:txBody>
+      </p:sp>
+      <p:sp>
+        <p:nvSpPr>
+          <p:cNvPr id="59" name="Rectangle: Rounded Corners 58">
+            <a:extLst>
+              <a:ext uri="{FF2B5EF4-FFF2-40B4-BE49-F238E27FC236}">
+                <a16:creationId xmlns:a16="http://schemas.microsoft.com/office/drawing/2014/main" id="{0AEF80FF-3308-485C-8A89-E57EFFB5CE46}"/>
+              </a:ext>
+            </a:extLst>
+          </p:cNvPr>
+          <p:cNvSpPr/>
+          <p:nvPr/>
+        </p:nvSpPr>
+        <p:spPr>
+          <a:xfrm>
+            <a:off x="1549423" y="4281628"/>
+            <a:ext cx="1836419" cy="182880"/>
+          </a:xfrm>
+          <a:prstGeom prst="roundRect">
+            <a:avLst/>
+          </a:prstGeom>
+          <a:solidFill>
+            <a:schemeClr val="bg1">
+              <a:lumMod val="95000"/>
+            </a:schemeClr>
+          </a:solidFill>
+          <a:ln>
+            <a:solidFill>
+              <a:schemeClr val="bg2">
+                <a:lumMod val="75000"/>
+              </a:schemeClr>
+            </a:solidFill>
+          </a:ln>
+        </p:spPr>
+        <p:style>
+          <a:lnRef idx="2">
+            <a:schemeClr val="accent1">
+              <a:shade val="50000"/>
+            </a:schemeClr>
+          </a:lnRef>
+          <a:fillRef idx="1">
+            <a:schemeClr val="accent1"/>
+          </a:fillRef>
+          <a:effectRef idx="0">
+            <a:schemeClr val="accent1"/>
+          </a:effectRef>
+          <a:fontRef idx="minor">
+            <a:schemeClr val="lt1"/>
+          </a:fontRef>
+        </p:style>
+        <p:txBody>
+          <a:bodyPr rtlCol="0" anchor="ctr"/>
+          <a:lstStyle/>
+          <a:p>
+            <a:pPr algn="ctr"/>
+            <a:r>
+              <a:rPr lang="en-US" sz="1200" dirty="0" err="1">
+                <a:solidFill>
+                  <a:schemeClr val="tx1"/>
+                </a:solidFill>
+              </a:rPr>
+              <a:t>lsat_calc_spectral_index</a:t>
+            </a:r>
+            <a:endParaRPr lang="en-US" sz="1200" dirty="0">
+              <a:solidFill>
+                <a:schemeClr val="tx1"/>
+              </a:solidFill>
+            </a:endParaRPr>
+          </a:p>
+        </p:txBody>
+      </p:sp>
+      <p:sp>
+        <p:nvSpPr>
+          <p:cNvPr id="70" name="Rectangle: Rounded Corners 69">
+            <a:extLst>
+              <a:ext uri="{FF2B5EF4-FFF2-40B4-BE49-F238E27FC236}">
+                <a16:creationId xmlns:a16="http://schemas.microsoft.com/office/drawing/2014/main" id="{399C1309-FDD0-4373-8066-E8EAC52E7788}"/>
+              </a:ext>
+            </a:extLst>
+          </p:cNvPr>
+          <p:cNvSpPr/>
+          <p:nvPr/>
+        </p:nvSpPr>
+        <p:spPr>
+          <a:xfrm>
+            <a:off x="191081" y="4789175"/>
+            <a:ext cx="2692455" cy="197852"/>
+          </a:xfrm>
+          <a:prstGeom prst="roundRect">
+            <a:avLst/>
+          </a:prstGeom>
+          <a:solidFill>
+            <a:schemeClr val="bg1">
+              <a:lumMod val="95000"/>
+            </a:schemeClr>
+          </a:solidFill>
+          <a:ln>
+            <a:solidFill>
+              <a:schemeClr val="tx1"/>
+            </a:solidFill>
+          </a:ln>
+        </p:spPr>
+        <p:style>
+          <a:lnRef idx="2">
+            <a:schemeClr val="accent1">
+              <a:shade val="50000"/>
+            </a:schemeClr>
+          </a:lnRef>
+          <a:fillRef idx="1">
+            <a:schemeClr val="accent1"/>
+          </a:fillRef>
+          <a:effectRef idx="0">
+            <a:schemeClr val="accent1"/>
+          </a:effectRef>
+          <a:fontRef idx="minor">
+            <a:schemeClr val="lt1"/>
+          </a:fontRef>
+        </p:style>
+        <p:txBody>
+          <a:bodyPr rtlCol="0" anchor="ctr"/>
+          <a:lstStyle/>
+          <a:p>
+            <a:pPr algn="ctr"/>
+            <a:r>
+              <a:rPr lang="en-US" sz="1200" b="1" dirty="0" err="1">
+                <a:solidFill>
+                  <a:schemeClr val="tx1"/>
+                </a:solidFill>
+              </a:rPr>
+              <a:t>lsat_calibrate_poly</a:t>
+            </a:r>
+            <a:r>
+              <a:rPr lang="en-US" sz="1200" b="1" dirty="0">
+                <a:solidFill>
+                  <a:schemeClr val="tx1"/>
+                </a:solidFill>
+              </a:rPr>
+              <a:t> </a:t>
+            </a:r>
+            <a:r>
+              <a:rPr lang="en-US" sz="1200" b="1" u="sng" dirty="0">
+                <a:solidFill>
+                  <a:schemeClr val="tx1"/>
+                </a:solidFill>
+              </a:rPr>
+              <a:t>or</a:t>
+            </a:r>
+            <a:r>
+              <a:rPr lang="en-US" sz="1200" b="1" dirty="0">
+                <a:solidFill>
+                  <a:schemeClr val="tx1"/>
+                </a:solidFill>
+              </a:rPr>
+              <a:t> </a:t>
+            </a:r>
+            <a:r>
+              <a:rPr lang="en-US" sz="1200" b="1" dirty="0" err="1">
+                <a:solidFill>
+                  <a:schemeClr val="tx1"/>
+                </a:solidFill>
+              </a:rPr>
+              <a:t>lsat_calibrate_rf</a:t>
+            </a:r>
+            <a:endParaRPr lang="en-US" sz="1200" b="1" u="sng" dirty="0">
+              <a:solidFill>
+                <a:schemeClr val="tx1"/>
+              </a:solidFill>
+            </a:endParaRPr>
+          </a:p>
+        </p:txBody>
+      </p:sp>
+      <p:sp>
+        <p:nvSpPr>
+          <p:cNvPr id="20" name="Rectangle: Rounded Corners 19">
+            <a:extLst>
+              <a:ext uri="{FF2B5EF4-FFF2-40B4-BE49-F238E27FC236}">
+                <a16:creationId xmlns:a16="http://schemas.microsoft.com/office/drawing/2014/main" id="{7A152BE6-2CF0-D784-E370-39EC015C23C0}"/>
+              </a:ext>
+            </a:extLst>
+          </p:cNvPr>
+          <p:cNvSpPr/>
+          <p:nvPr/>
+        </p:nvSpPr>
+        <p:spPr>
+          <a:xfrm>
+            <a:off x="1549423" y="3625896"/>
+            <a:ext cx="1836419" cy="182880"/>
+          </a:xfrm>
+          <a:prstGeom prst="roundRect">
+            <a:avLst/>
+          </a:prstGeom>
+          <a:solidFill>
+            <a:schemeClr val="bg1">
+              <a:lumMod val="95000"/>
+            </a:schemeClr>
+          </a:solidFill>
+          <a:ln>
+            <a:solidFill>
+              <a:schemeClr val="bg2">
+                <a:lumMod val="75000"/>
+              </a:schemeClr>
+            </a:solidFill>
+          </a:ln>
+        </p:spPr>
+        <p:style>
+          <a:lnRef idx="2">
+            <a:schemeClr val="accent1">
+              <a:shade val="50000"/>
+            </a:schemeClr>
+          </a:lnRef>
+          <a:fillRef idx="1">
+            <a:schemeClr val="accent1"/>
+          </a:fillRef>
+          <a:effectRef idx="0">
+            <a:schemeClr val="accent1"/>
+          </a:effectRef>
+          <a:fontRef idx="minor">
+            <a:schemeClr val="lt1"/>
+          </a:fontRef>
+        </p:style>
+        <p:txBody>
+          <a:bodyPr rtlCol="0" anchor="ctr"/>
+          <a:lstStyle/>
+          <a:p>
+            <a:pPr algn="ctr"/>
+            <a:r>
+              <a:rPr lang="en-US" sz="1200" dirty="0" err="1">
+                <a:solidFill>
+                  <a:schemeClr val="tx1"/>
+                </a:solidFill>
+              </a:rPr>
+              <a:t>lsat_neighborhood_mean</a:t>
+            </a:r>
+            <a:endParaRPr lang="en-US" sz="1200" dirty="0">
+              <a:solidFill>
+                <a:schemeClr val="tx1"/>
+              </a:solidFill>
+            </a:endParaRPr>
+          </a:p>
+        </p:txBody>
+      </p:sp>
     </p:spTree>
     <p:extLst>
       <p:ext uri="{BB962C8B-B14F-4D97-AF65-F5344CB8AC3E}">
